--- a/project model.pptx
+++ b/project model.pptx
@@ -5,9 +5,9 @@
     <p:sldMasterId id="2147483648" r:id="rId1"/>
   </p:sldMasterIdLst>
   <p:sldIdLst>
-    <p:sldId id="257" r:id="rId2"/>
-    <p:sldId id="259" r:id="rId3"/>
-    <p:sldId id="258" r:id="rId4"/>
+    <p:sldId id="259" r:id="rId2"/>
+    <p:sldId id="258" r:id="rId3"/>
+    <p:sldId id="260" r:id="rId4"/>
   </p:sldIdLst>
   <p:sldSz cx="12192000" cy="6858000"/>
   <p:notesSz cx="6858000" cy="9144000"/>
@@ -245,7 +245,7 @@
           <a:p>
             <a:fld id="{46B992F3-5C36-4B2B-9E6E-8A03018EC3BA}" type="datetimeFigureOut">
               <a:rPr lang="ko-KR" altLang="en-US" smtClean="0"/>
-              <a:t>2018-09-19</a:t>
+              <a:t>2018-10-01</a:t>
             </a:fld>
             <a:endParaRPr lang="ko-KR" altLang="en-US"/>
           </a:p>
@@ -415,7 +415,7 @@
           <a:p>
             <a:fld id="{46B992F3-5C36-4B2B-9E6E-8A03018EC3BA}" type="datetimeFigureOut">
               <a:rPr lang="ko-KR" altLang="en-US" smtClean="0"/>
-              <a:t>2018-09-19</a:t>
+              <a:t>2018-10-01</a:t>
             </a:fld>
             <a:endParaRPr lang="ko-KR" altLang="en-US"/>
           </a:p>
@@ -595,7 +595,7 @@
           <a:p>
             <a:fld id="{46B992F3-5C36-4B2B-9E6E-8A03018EC3BA}" type="datetimeFigureOut">
               <a:rPr lang="ko-KR" altLang="en-US" smtClean="0"/>
-              <a:t>2018-09-19</a:t>
+              <a:t>2018-10-01</a:t>
             </a:fld>
             <a:endParaRPr lang="ko-KR" altLang="en-US"/>
           </a:p>
@@ -765,7 +765,7 @@
           <a:p>
             <a:fld id="{46B992F3-5C36-4B2B-9E6E-8A03018EC3BA}" type="datetimeFigureOut">
               <a:rPr lang="ko-KR" altLang="en-US" smtClean="0"/>
-              <a:t>2018-09-19</a:t>
+              <a:t>2018-10-01</a:t>
             </a:fld>
             <a:endParaRPr lang="ko-KR" altLang="en-US"/>
           </a:p>
@@ -1011,7 +1011,7 @@
           <a:p>
             <a:fld id="{46B992F3-5C36-4B2B-9E6E-8A03018EC3BA}" type="datetimeFigureOut">
               <a:rPr lang="ko-KR" altLang="en-US" smtClean="0"/>
-              <a:t>2018-09-19</a:t>
+              <a:t>2018-10-01</a:t>
             </a:fld>
             <a:endParaRPr lang="ko-KR" altLang="en-US"/>
           </a:p>
@@ -1243,7 +1243,7 @@
           <a:p>
             <a:fld id="{46B992F3-5C36-4B2B-9E6E-8A03018EC3BA}" type="datetimeFigureOut">
               <a:rPr lang="ko-KR" altLang="en-US" smtClean="0"/>
-              <a:t>2018-09-19</a:t>
+              <a:t>2018-10-01</a:t>
             </a:fld>
             <a:endParaRPr lang="ko-KR" altLang="en-US"/>
           </a:p>
@@ -1610,7 +1610,7 @@
           <a:p>
             <a:fld id="{46B992F3-5C36-4B2B-9E6E-8A03018EC3BA}" type="datetimeFigureOut">
               <a:rPr lang="ko-KR" altLang="en-US" smtClean="0"/>
-              <a:t>2018-09-19</a:t>
+              <a:t>2018-10-01</a:t>
             </a:fld>
             <a:endParaRPr lang="ko-KR" altLang="en-US"/>
           </a:p>
@@ -1728,7 +1728,7 @@
           <a:p>
             <a:fld id="{46B992F3-5C36-4B2B-9E6E-8A03018EC3BA}" type="datetimeFigureOut">
               <a:rPr lang="ko-KR" altLang="en-US" smtClean="0"/>
-              <a:t>2018-09-19</a:t>
+              <a:t>2018-10-01</a:t>
             </a:fld>
             <a:endParaRPr lang="ko-KR" altLang="en-US"/>
           </a:p>
@@ -1823,7 +1823,7 @@
           <a:p>
             <a:fld id="{46B992F3-5C36-4B2B-9E6E-8A03018EC3BA}" type="datetimeFigureOut">
               <a:rPr lang="ko-KR" altLang="en-US" smtClean="0"/>
-              <a:t>2018-09-19</a:t>
+              <a:t>2018-10-01</a:t>
             </a:fld>
             <a:endParaRPr lang="ko-KR" altLang="en-US"/>
           </a:p>
@@ -2100,7 +2100,7 @@
           <a:p>
             <a:fld id="{46B992F3-5C36-4B2B-9E6E-8A03018EC3BA}" type="datetimeFigureOut">
               <a:rPr lang="ko-KR" altLang="en-US" smtClean="0"/>
-              <a:t>2018-09-19</a:t>
+              <a:t>2018-10-01</a:t>
             </a:fld>
             <a:endParaRPr lang="ko-KR" altLang="en-US"/>
           </a:p>
@@ -2353,7 +2353,7 @@
           <a:p>
             <a:fld id="{46B992F3-5C36-4B2B-9E6E-8A03018EC3BA}" type="datetimeFigureOut">
               <a:rPr lang="ko-KR" altLang="en-US" smtClean="0"/>
-              <a:t>2018-09-19</a:t>
+              <a:t>2018-10-01</a:t>
             </a:fld>
             <a:endParaRPr lang="ko-KR" altLang="en-US"/>
           </a:p>
@@ -2566,7 +2566,7 @@
           <a:p>
             <a:fld id="{46B992F3-5C36-4B2B-9E6E-8A03018EC3BA}" type="datetimeFigureOut">
               <a:rPr lang="ko-KR" altLang="en-US" smtClean="0"/>
-              <a:t>2018-09-19</a:t>
+              <a:t>2018-10-01</a:t>
             </a:fld>
             <a:endParaRPr lang="ko-KR" altLang="en-US"/>
           </a:p>
@@ -2971,1781 +2971,6 @@
           <a:chExt cx="0" cy="0"/>
         </a:xfrm>
       </p:grpSpPr>
-      <p:sp>
-        <p:nvSpPr>
-          <p:cNvPr id="4" name="직사각형 3"/>
-          <p:cNvSpPr/>
-          <p:nvPr/>
-        </p:nvSpPr>
-        <p:spPr>
-          <a:xfrm>
-            <a:off x="269826" y="2566851"/>
-            <a:ext cx="1512319" cy="1361338"/>
-          </a:xfrm>
-          <a:prstGeom prst="rect">
-            <a:avLst/>
-          </a:prstGeom>
-          <a:noFill/>
-          <a:ln w="25400">
-            <a:solidFill>
-              <a:srgbClr val="002060"/>
-            </a:solidFill>
-          </a:ln>
-        </p:spPr>
-        <p:style>
-          <a:lnRef idx="2">
-            <a:schemeClr val="accent1">
-              <a:shade val="50000"/>
-            </a:schemeClr>
-          </a:lnRef>
-          <a:fillRef idx="1">
-            <a:schemeClr val="accent1"/>
-          </a:fillRef>
-          <a:effectRef idx="0">
-            <a:schemeClr val="accent1"/>
-          </a:effectRef>
-          <a:fontRef idx="minor">
-            <a:schemeClr val="lt1"/>
-          </a:fontRef>
-        </p:style>
-        <p:txBody>
-          <a:bodyPr rtlCol="0" anchor="ctr"/>
-          <a:lstStyle/>
-          <a:p>
-            <a:pPr algn="ctr"/>
-            <a:r>
-              <a:rPr lang="en-US" altLang="ko-KR" dirty="0" smtClean="0">
-                <a:solidFill>
-                  <a:schemeClr val="tx1"/>
-                </a:solidFill>
-              </a:rPr>
-              <a:t>Web</a:t>
-            </a:r>
-          </a:p>
-          <a:p>
-            <a:pPr algn="ctr"/>
-            <a:r>
-              <a:rPr lang="en-US" altLang="ko-KR" dirty="0" smtClean="0">
-                <a:solidFill>
-                  <a:schemeClr val="tx1"/>
-                </a:solidFill>
-              </a:rPr>
-              <a:t>Browser</a:t>
-            </a:r>
-            <a:endParaRPr lang="ko-KR" altLang="en-US" dirty="0">
-              <a:solidFill>
-                <a:schemeClr val="tx1"/>
-              </a:solidFill>
-            </a:endParaRPr>
-          </a:p>
-        </p:txBody>
-      </p:sp>
-      <p:sp>
-        <p:nvSpPr>
-          <p:cNvPr id="5" name="직사각형 4"/>
-          <p:cNvSpPr/>
-          <p:nvPr/>
-        </p:nvSpPr>
-        <p:spPr>
-          <a:xfrm>
-            <a:off x="2989697" y="681136"/>
-            <a:ext cx="7199332" cy="5439747"/>
-          </a:xfrm>
-          <a:prstGeom prst="rect">
-            <a:avLst/>
-          </a:prstGeom>
-          <a:solidFill>
-            <a:schemeClr val="accent3">
-              <a:lumMod val="40000"/>
-              <a:lumOff val="60000"/>
-            </a:schemeClr>
-          </a:solidFill>
-          <a:ln w="25400">
-            <a:solidFill>
-              <a:schemeClr val="tx2"/>
-            </a:solidFill>
-          </a:ln>
-        </p:spPr>
-        <p:style>
-          <a:lnRef idx="2">
-            <a:schemeClr val="accent1">
-              <a:shade val="50000"/>
-            </a:schemeClr>
-          </a:lnRef>
-          <a:fillRef idx="1">
-            <a:schemeClr val="accent1"/>
-          </a:fillRef>
-          <a:effectRef idx="0">
-            <a:schemeClr val="accent1"/>
-          </a:effectRef>
-          <a:fontRef idx="minor">
-            <a:schemeClr val="lt1"/>
-          </a:fontRef>
-        </p:style>
-        <p:txBody>
-          <a:bodyPr rtlCol="0" anchor="ctr"/>
-          <a:lstStyle/>
-          <a:p>
-            <a:pPr algn="ctr"/>
-            <a:r>
-              <a:rPr lang="en-US" altLang="ko-KR" dirty="0" smtClean="0">
-                <a:solidFill>
-                  <a:schemeClr val="tx1"/>
-                </a:solidFill>
-              </a:rPr>
-              <a:t>Django Framework</a:t>
-            </a:r>
-          </a:p>
-          <a:p>
-            <a:pPr algn="ctr"/>
-            <a:endParaRPr lang="en-US" altLang="ko-KR" dirty="0">
-              <a:solidFill>
-                <a:schemeClr val="tx1"/>
-              </a:solidFill>
-            </a:endParaRPr>
-          </a:p>
-          <a:p>
-            <a:pPr algn="ctr"/>
-            <a:endParaRPr lang="en-US" altLang="ko-KR" dirty="0" smtClean="0">
-              <a:solidFill>
-                <a:schemeClr val="tx1"/>
-              </a:solidFill>
-            </a:endParaRPr>
-          </a:p>
-          <a:p>
-            <a:pPr algn="ctr"/>
-            <a:endParaRPr lang="en-US" altLang="ko-KR" dirty="0">
-              <a:solidFill>
-                <a:schemeClr val="tx1"/>
-              </a:solidFill>
-            </a:endParaRPr>
-          </a:p>
-          <a:p>
-            <a:pPr algn="ctr"/>
-            <a:endParaRPr lang="en-US" altLang="ko-KR" dirty="0" smtClean="0">
-              <a:solidFill>
-                <a:schemeClr val="tx1"/>
-              </a:solidFill>
-            </a:endParaRPr>
-          </a:p>
-          <a:p>
-            <a:pPr algn="ctr"/>
-            <a:endParaRPr lang="en-US" altLang="ko-KR" dirty="0">
-              <a:solidFill>
-                <a:schemeClr val="tx1"/>
-              </a:solidFill>
-            </a:endParaRPr>
-          </a:p>
-          <a:p>
-            <a:pPr algn="ctr"/>
-            <a:endParaRPr lang="en-US" altLang="ko-KR" dirty="0" smtClean="0">
-              <a:solidFill>
-                <a:schemeClr val="tx1"/>
-              </a:solidFill>
-            </a:endParaRPr>
-          </a:p>
-          <a:p>
-            <a:pPr algn="ctr"/>
-            <a:endParaRPr lang="en-US" altLang="ko-KR" dirty="0">
-              <a:solidFill>
-                <a:schemeClr val="tx1"/>
-              </a:solidFill>
-            </a:endParaRPr>
-          </a:p>
-          <a:p>
-            <a:pPr algn="ctr"/>
-            <a:endParaRPr lang="en-US" altLang="ko-KR" dirty="0" smtClean="0">
-              <a:solidFill>
-                <a:schemeClr val="tx1"/>
-              </a:solidFill>
-            </a:endParaRPr>
-          </a:p>
-          <a:p>
-            <a:pPr algn="ctr"/>
-            <a:endParaRPr lang="en-US" altLang="ko-KR" dirty="0">
-              <a:solidFill>
-                <a:schemeClr val="tx1"/>
-              </a:solidFill>
-            </a:endParaRPr>
-          </a:p>
-          <a:p>
-            <a:pPr algn="ctr"/>
-            <a:endParaRPr lang="en-US" altLang="ko-KR" dirty="0" smtClean="0">
-              <a:solidFill>
-                <a:schemeClr val="tx1"/>
-              </a:solidFill>
-            </a:endParaRPr>
-          </a:p>
-          <a:p>
-            <a:pPr algn="ctr"/>
-            <a:endParaRPr lang="en-US" altLang="ko-KR" dirty="0">
-              <a:solidFill>
-                <a:schemeClr val="tx1"/>
-              </a:solidFill>
-            </a:endParaRPr>
-          </a:p>
-          <a:p>
-            <a:pPr algn="ctr"/>
-            <a:endParaRPr lang="en-US" altLang="ko-KR" dirty="0" smtClean="0">
-              <a:solidFill>
-                <a:schemeClr val="tx1"/>
-              </a:solidFill>
-            </a:endParaRPr>
-          </a:p>
-          <a:p>
-            <a:pPr algn="ctr"/>
-            <a:endParaRPr lang="en-US" altLang="ko-KR" dirty="0">
-              <a:solidFill>
-                <a:schemeClr val="tx1"/>
-              </a:solidFill>
-            </a:endParaRPr>
-          </a:p>
-          <a:p>
-            <a:pPr algn="ctr"/>
-            <a:endParaRPr lang="en-US" altLang="ko-KR" dirty="0" smtClean="0">
-              <a:solidFill>
-                <a:schemeClr val="tx1"/>
-              </a:solidFill>
-            </a:endParaRPr>
-          </a:p>
-          <a:p>
-            <a:pPr algn="ctr"/>
-            <a:endParaRPr lang="en-US" altLang="ko-KR" dirty="0">
-              <a:solidFill>
-                <a:schemeClr val="tx1"/>
-              </a:solidFill>
-            </a:endParaRPr>
-          </a:p>
-          <a:p>
-            <a:pPr algn="ctr"/>
-            <a:endParaRPr lang="en-US" altLang="ko-KR" dirty="0" smtClean="0">
-              <a:solidFill>
-                <a:schemeClr val="tx1"/>
-              </a:solidFill>
-            </a:endParaRPr>
-          </a:p>
-          <a:p>
-            <a:pPr algn="ctr"/>
-            <a:endParaRPr lang="en-US" altLang="ko-KR" dirty="0">
-              <a:solidFill>
-                <a:schemeClr val="tx1"/>
-              </a:solidFill>
-            </a:endParaRPr>
-          </a:p>
-          <a:p>
-            <a:pPr algn="ctr"/>
-            <a:endParaRPr lang="en-US" altLang="ko-KR" dirty="0" smtClean="0">
-              <a:solidFill>
-                <a:schemeClr val="tx1"/>
-              </a:solidFill>
-            </a:endParaRPr>
-          </a:p>
-          <a:p>
-            <a:pPr algn="ctr"/>
-            <a:endParaRPr lang="ko-KR" altLang="en-US" dirty="0">
-              <a:solidFill>
-                <a:schemeClr val="tx1"/>
-              </a:solidFill>
-            </a:endParaRPr>
-          </a:p>
-        </p:txBody>
-      </p:sp>
-      <p:sp>
-        <p:nvSpPr>
-          <p:cNvPr id="8" name="직사각형 7"/>
-          <p:cNvSpPr/>
-          <p:nvPr/>
-        </p:nvSpPr>
-        <p:spPr>
-          <a:xfrm>
-            <a:off x="3051107" y="1129005"/>
-            <a:ext cx="7063273" cy="1268963"/>
-          </a:xfrm>
-          <a:prstGeom prst="rect">
-            <a:avLst/>
-          </a:prstGeom>
-          <a:solidFill>
-            <a:schemeClr val="bg1">
-              <a:lumMod val="95000"/>
-            </a:schemeClr>
-          </a:solidFill>
-          <a:ln w="25400">
-            <a:solidFill>
-              <a:schemeClr val="tx2"/>
-            </a:solidFill>
-          </a:ln>
-        </p:spPr>
-        <p:style>
-          <a:lnRef idx="2">
-            <a:schemeClr val="accent1">
-              <a:shade val="50000"/>
-            </a:schemeClr>
-          </a:lnRef>
-          <a:fillRef idx="1">
-            <a:schemeClr val="accent1"/>
-          </a:fillRef>
-          <a:effectRef idx="0">
-            <a:schemeClr val="accent1"/>
-          </a:effectRef>
-          <a:fontRef idx="minor">
-            <a:schemeClr val="lt1"/>
-          </a:fontRef>
-        </p:style>
-        <p:txBody>
-          <a:bodyPr rtlCol="0" anchor="ctr"/>
-          <a:lstStyle/>
-          <a:p>
-            <a:pPr algn="ctr"/>
-            <a:r>
-              <a:rPr lang="en-US" altLang="ko-KR" dirty="0" smtClean="0">
-                <a:solidFill>
-                  <a:schemeClr val="tx1"/>
-                </a:solidFill>
-              </a:rPr>
-              <a:t>Django Applications</a:t>
-            </a:r>
-          </a:p>
-          <a:p>
-            <a:pPr algn="ctr"/>
-            <a:endParaRPr lang="en-US" altLang="ko-KR" dirty="0">
-              <a:solidFill>
-                <a:schemeClr val="tx1"/>
-              </a:solidFill>
-            </a:endParaRPr>
-          </a:p>
-          <a:p>
-            <a:pPr algn="ctr"/>
-            <a:endParaRPr lang="en-US" altLang="ko-KR" dirty="0" smtClean="0">
-              <a:solidFill>
-                <a:schemeClr val="tx1"/>
-              </a:solidFill>
-            </a:endParaRPr>
-          </a:p>
-          <a:p>
-            <a:pPr algn="ctr"/>
-            <a:endParaRPr lang="ko-KR" altLang="en-US" dirty="0">
-              <a:solidFill>
-                <a:schemeClr val="tx1"/>
-              </a:solidFill>
-            </a:endParaRPr>
-          </a:p>
-        </p:txBody>
-      </p:sp>
-      <p:sp>
-        <p:nvSpPr>
-          <p:cNvPr id="17" name="직사각형 16"/>
-          <p:cNvSpPr/>
-          <p:nvPr/>
-        </p:nvSpPr>
-        <p:spPr>
-          <a:xfrm>
-            <a:off x="3051107" y="2465146"/>
-            <a:ext cx="7063273" cy="3534439"/>
-          </a:xfrm>
-          <a:prstGeom prst="rect">
-            <a:avLst/>
-          </a:prstGeom>
-          <a:solidFill>
-            <a:schemeClr val="bg1">
-              <a:lumMod val="95000"/>
-            </a:schemeClr>
-          </a:solidFill>
-          <a:ln w="25400">
-            <a:solidFill>
-              <a:schemeClr val="tx2"/>
-            </a:solidFill>
-          </a:ln>
-        </p:spPr>
-        <p:style>
-          <a:lnRef idx="2">
-            <a:schemeClr val="accent1">
-              <a:shade val="50000"/>
-            </a:schemeClr>
-          </a:lnRef>
-          <a:fillRef idx="1">
-            <a:schemeClr val="accent1"/>
-          </a:fillRef>
-          <a:effectRef idx="0">
-            <a:schemeClr val="accent1"/>
-          </a:effectRef>
-          <a:fontRef idx="minor">
-            <a:schemeClr val="lt1"/>
-          </a:fontRef>
-        </p:style>
-        <p:txBody>
-          <a:bodyPr rtlCol="0" anchor="ctr"/>
-          <a:lstStyle/>
-          <a:p>
-            <a:pPr algn="ctr"/>
-            <a:endParaRPr lang="ko-KR" altLang="en-US" dirty="0">
-              <a:solidFill>
-                <a:schemeClr val="tx1"/>
-              </a:solidFill>
-            </a:endParaRPr>
-          </a:p>
-        </p:txBody>
-      </p:sp>
-      <p:sp>
-        <p:nvSpPr>
-          <p:cNvPr id="9" name="직사각형 8"/>
-          <p:cNvSpPr/>
-          <p:nvPr/>
-        </p:nvSpPr>
-        <p:spPr>
-          <a:xfrm>
-            <a:off x="3125755" y="1576875"/>
-            <a:ext cx="1324945" cy="746448"/>
-          </a:xfrm>
-          <a:prstGeom prst="rect">
-            <a:avLst/>
-          </a:prstGeom>
-          <a:solidFill>
-            <a:schemeClr val="bg1"/>
-          </a:solidFill>
-          <a:ln w="25400">
-            <a:solidFill>
-              <a:schemeClr val="tx2"/>
-            </a:solidFill>
-          </a:ln>
-        </p:spPr>
-        <p:style>
-          <a:lnRef idx="2">
-            <a:schemeClr val="accent1">
-              <a:shade val="50000"/>
-            </a:schemeClr>
-          </a:lnRef>
-          <a:fillRef idx="1">
-            <a:schemeClr val="accent1"/>
-          </a:fillRef>
-          <a:effectRef idx="0">
-            <a:schemeClr val="accent1"/>
-          </a:effectRef>
-          <a:fontRef idx="minor">
-            <a:schemeClr val="lt1"/>
-          </a:fontRef>
-        </p:style>
-        <p:txBody>
-          <a:bodyPr rtlCol="0" anchor="ctr"/>
-          <a:lstStyle/>
-          <a:p>
-            <a:pPr algn="ctr"/>
-            <a:r>
-              <a:rPr lang="en-US" altLang="ko-KR" sz="1200" dirty="0" smtClean="0">
-                <a:solidFill>
-                  <a:schemeClr val="tx1"/>
-                </a:solidFill>
-              </a:rPr>
-              <a:t>Admin</a:t>
-            </a:r>
-            <a:endParaRPr lang="ko-KR" altLang="en-US" sz="1200" dirty="0">
-              <a:solidFill>
-                <a:schemeClr val="tx1"/>
-              </a:solidFill>
-            </a:endParaRPr>
-          </a:p>
-        </p:txBody>
-      </p:sp>
-      <p:sp>
-        <p:nvSpPr>
-          <p:cNvPr id="10" name="직사각형 9"/>
-          <p:cNvSpPr/>
-          <p:nvPr/>
-        </p:nvSpPr>
-        <p:spPr>
-          <a:xfrm>
-            <a:off x="4683968" y="1576875"/>
-            <a:ext cx="1324945" cy="746448"/>
-          </a:xfrm>
-          <a:prstGeom prst="rect">
-            <a:avLst/>
-          </a:prstGeom>
-          <a:solidFill>
-            <a:schemeClr val="bg1"/>
-          </a:solidFill>
-          <a:ln w="25400">
-            <a:solidFill>
-              <a:schemeClr val="tx2"/>
-            </a:solidFill>
-          </a:ln>
-        </p:spPr>
-        <p:style>
-          <a:lnRef idx="2">
-            <a:schemeClr val="accent1">
-              <a:shade val="50000"/>
-            </a:schemeClr>
-          </a:lnRef>
-          <a:fillRef idx="1">
-            <a:schemeClr val="accent1"/>
-          </a:fillRef>
-          <a:effectRef idx="0">
-            <a:schemeClr val="accent1"/>
-          </a:effectRef>
-          <a:fontRef idx="minor">
-            <a:schemeClr val="lt1"/>
-          </a:fontRef>
-        </p:style>
-        <p:txBody>
-          <a:bodyPr rtlCol="0" anchor="ctr"/>
-          <a:lstStyle/>
-          <a:p>
-            <a:pPr algn="ctr"/>
-            <a:r>
-              <a:rPr lang="en-US" altLang="ko-KR" sz="1200" dirty="0" err="1" smtClean="0">
-                <a:solidFill>
-                  <a:schemeClr val="tx1"/>
-                </a:solidFill>
-              </a:rPr>
-              <a:t>nobiz</a:t>
-            </a:r>
-            <a:endParaRPr lang="ko-KR" altLang="en-US" sz="1200" dirty="0">
-              <a:solidFill>
-                <a:schemeClr val="tx1"/>
-              </a:solidFill>
-            </a:endParaRPr>
-          </a:p>
-        </p:txBody>
-      </p:sp>
-      <p:sp>
-        <p:nvSpPr>
-          <p:cNvPr id="11" name="직사각형 10"/>
-          <p:cNvSpPr/>
-          <p:nvPr/>
-        </p:nvSpPr>
-        <p:spPr>
-          <a:xfrm>
-            <a:off x="3508310" y="2716144"/>
-            <a:ext cx="1324945" cy="746448"/>
-          </a:xfrm>
-          <a:prstGeom prst="rect">
-            <a:avLst/>
-          </a:prstGeom>
-          <a:solidFill>
-            <a:schemeClr val="bg1"/>
-          </a:solidFill>
-          <a:ln w="25400">
-            <a:solidFill>
-              <a:schemeClr val="tx2"/>
-            </a:solidFill>
-          </a:ln>
-        </p:spPr>
-        <p:style>
-          <a:lnRef idx="2">
-            <a:schemeClr val="accent1">
-              <a:shade val="50000"/>
-            </a:schemeClr>
-          </a:lnRef>
-          <a:fillRef idx="1">
-            <a:schemeClr val="accent1"/>
-          </a:fillRef>
-          <a:effectRef idx="0">
-            <a:schemeClr val="accent1"/>
-          </a:effectRef>
-          <a:fontRef idx="minor">
-            <a:schemeClr val="lt1"/>
-          </a:fontRef>
-        </p:style>
-        <p:txBody>
-          <a:bodyPr rtlCol="0" anchor="ctr"/>
-          <a:lstStyle/>
-          <a:p>
-            <a:pPr algn="ctr"/>
-            <a:r>
-              <a:rPr lang="en-US" altLang="ko-KR" sz="1200" dirty="0" smtClean="0">
-                <a:solidFill>
-                  <a:schemeClr val="tx1"/>
-                </a:solidFill>
-              </a:rPr>
-              <a:t>URLs(</a:t>
-            </a:r>
-            <a:r>
-              <a:rPr lang="en-US" altLang="ko-KR" sz="1200" dirty="0" err="1" smtClean="0">
-                <a:solidFill>
-                  <a:schemeClr val="tx1"/>
-                </a:solidFill>
-              </a:rPr>
-              <a:t>URLconf</a:t>
-            </a:r>
-            <a:r>
-              <a:rPr lang="en-US" altLang="ko-KR" sz="1200" dirty="0" smtClean="0">
-                <a:solidFill>
-                  <a:schemeClr val="tx1"/>
-                </a:solidFill>
-              </a:rPr>
-              <a:t>)</a:t>
-            </a:r>
-          </a:p>
-          <a:p>
-            <a:pPr algn="ctr"/>
-            <a:endParaRPr lang="en-US" altLang="ko-KR" sz="1200" dirty="0" smtClean="0">
-              <a:solidFill>
-                <a:schemeClr val="tx1"/>
-              </a:solidFill>
-            </a:endParaRPr>
-          </a:p>
-          <a:p>
-            <a:r>
-              <a:rPr lang="en-US" altLang="ko-KR" sz="1200" dirty="0" smtClean="0">
-                <a:solidFill>
-                  <a:schemeClr val="tx1"/>
-                </a:solidFill>
-              </a:rPr>
-              <a:t>urls.py</a:t>
-            </a:r>
-            <a:endParaRPr lang="en-US" altLang="ko-KR" sz="1200" dirty="0">
-              <a:solidFill>
-                <a:schemeClr val="tx1"/>
-              </a:solidFill>
-            </a:endParaRPr>
-          </a:p>
-        </p:txBody>
-      </p:sp>
-      <p:sp>
-        <p:nvSpPr>
-          <p:cNvPr id="12" name="직사각형 11"/>
-          <p:cNvSpPr/>
-          <p:nvPr/>
-        </p:nvSpPr>
-        <p:spPr>
-          <a:xfrm>
-            <a:off x="3508310" y="3826018"/>
-            <a:ext cx="1324945" cy="746448"/>
-          </a:xfrm>
-          <a:prstGeom prst="rect">
-            <a:avLst/>
-          </a:prstGeom>
-          <a:solidFill>
-            <a:schemeClr val="bg1"/>
-          </a:solidFill>
-          <a:ln w="25400">
-            <a:solidFill>
-              <a:schemeClr val="tx2"/>
-            </a:solidFill>
-          </a:ln>
-        </p:spPr>
-        <p:style>
-          <a:lnRef idx="2">
-            <a:schemeClr val="accent1">
-              <a:shade val="50000"/>
-            </a:schemeClr>
-          </a:lnRef>
-          <a:fillRef idx="1">
-            <a:schemeClr val="accent1"/>
-          </a:fillRef>
-          <a:effectRef idx="0">
-            <a:schemeClr val="accent1"/>
-          </a:effectRef>
-          <a:fontRef idx="minor">
-            <a:schemeClr val="lt1"/>
-          </a:fontRef>
-        </p:style>
-        <p:txBody>
-          <a:bodyPr rtlCol="0" anchor="ctr"/>
-          <a:lstStyle/>
-          <a:p>
-            <a:pPr algn="ctr"/>
-            <a:r>
-              <a:rPr lang="en-US" altLang="ko-KR" sz="1200" dirty="0" smtClean="0">
-                <a:solidFill>
-                  <a:schemeClr val="tx1"/>
-                </a:solidFill>
-              </a:rPr>
-              <a:t>Template(view)</a:t>
-            </a:r>
-          </a:p>
-          <a:p>
-            <a:pPr algn="ctr"/>
-            <a:endParaRPr lang="en-US" altLang="ko-KR" sz="1200" dirty="0" smtClean="0">
-              <a:solidFill>
-                <a:schemeClr val="tx1"/>
-              </a:solidFill>
-            </a:endParaRPr>
-          </a:p>
-          <a:p>
-            <a:r>
-              <a:rPr lang="en-US" altLang="ko-KR" sz="1200" dirty="0" smtClean="0">
-                <a:solidFill>
-                  <a:schemeClr val="tx1"/>
-                </a:solidFill>
-              </a:rPr>
-              <a:t>*.html</a:t>
-            </a:r>
-            <a:endParaRPr lang="en-US" altLang="ko-KR" sz="1200" dirty="0">
-              <a:solidFill>
-                <a:schemeClr val="tx1"/>
-              </a:solidFill>
-            </a:endParaRPr>
-          </a:p>
-        </p:txBody>
-      </p:sp>
-      <p:sp>
-        <p:nvSpPr>
-          <p:cNvPr id="13" name="직사각형 12"/>
-          <p:cNvSpPr/>
-          <p:nvPr/>
-        </p:nvSpPr>
-        <p:spPr>
-          <a:xfrm>
-            <a:off x="3508310" y="4935892"/>
-            <a:ext cx="1324945" cy="746448"/>
-          </a:xfrm>
-          <a:prstGeom prst="rect">
-            <a:avLst/>
-          </a:prstGeom>
-          <a:solidFill>
-            <a:schemeClr val="bg1"/>
-          </a:solidFill>
-          <a:ln w="25400">
-            <a:solidFill>
-              <a:schemeClr val="tx2"/>
-            </a:solidFill>
-          </a:ln>
-        </p:spPr>
-        <p:style>
-          <a:lnRef idx="2">
-            <a:schemeClr val="accent1">
-              <a:shade val="50000"/>
-            </a:schemeClr>
-          </a:lnRef>
-          <a:fillRef idx="1">
-            <a:schemeClr val="accent1"/>
-          </a:fillRef>
-          <a:effectRef idx="0">
-            <a:schemeClr val="accent1"/>
-          </a:effectRef>
-          <a:fontRef idx="minor">
-            <a:schemeClr val="lt1"/>
-          </a:fontRef>
-        </p:style>
-        <p:txBody>
-          <a:bodyPr rtlCol="0" anchor="ctr"/>
-          <a:lstStyle/>
-          <a:p>
-            <a:pPr algn="ctr"/>
-            <a:r>
-              <a:rPr lang="en-US" altLang="ko-KR" sz="1200" dirty="0" smtClean="0">
-                <a:solidFill>
-                  <a:schemeClr val="tx1"/>
-                </a:solidFill>
-              </a:rPr>
-              <a:t>Form(form)</a:t>
-            </a:r>
-          </a:p>
-          <a:p>
-            <a:pPr algn="ctr"/>
-            <a:endParaRPr lang="en-US" altLang="ko-KR" sz="1200" dirty="0" smtClean="0">
-              <a:solidFill>
-                <a:schemeClr val="tx1"/>
-              </a:solidFill>
-            </a:endParaRPr>
-          </a:p>
-          <a:p>
-            <a:r>
-              <a:rPr lang="en-US" altLang="ko-KR" sz="1200" dirty="0" smtClean="0">
-                <a:solidFill>
-                  <a:schemeClr val="tx1"/>
-                </a:solidFill>
-              </a:rPr>
-              <a:t>forms.py</a:t>
-            </a:r>
-            <a:endParaRPr lang="en-US" altLang="ko-KR" sz="1200" dirty="0">
-              <a:solidFill>
-                <a:schemeClr val="tx1"/>
-              </a:solidFill>
-            </a:endParaRPr>
-          </a:p>
-        </p:txBody>
-      </p:sp>
-      <p:sp>
-        <p:nvSpPr>
-          <p:cNvPr id="14" name="직사각형 13"/>
-          <p:cNvSpPr/>
-          <p:nvPr/>
-        </p:nvSpPr>
-        <p:spPr>
-          <a:xfrm>
-            <a:off x="5299021" y="2566851"/>
-            <a:ext cx="2095488" cy="3339428"/>
-          </a:xfrm>
-          <a:prstGeom prst="rect">
-            <a:avLst/>
-          </a:prstGeom>
-          <a:solidFill>
-            <a:schemeClr val="bg1"/>
-          </a:solidFill>
-          <a:ln w="25400">
-            <a:solidFill>
-              <a:schemeClr val="tx2"/>
-            </a:solidFill>
-          </a:ln>
-        </p:spPr>
-        <p:style>
-          <a:lnRef idx="2">
-            <a:schemeClr val="accent1">
-              <a:shade val="50000"/>
-            </a:schemeClr>
-          </a:lnRef>
-          <a:fillRef idx="1">
-            <a:schemeClr val="accent1"/>
-          </a:fillRef>
-          <a:effectRef idx="0">
-            <a:schemeClr val="accent1"/>
-          </a:effectRef>
-          <a:fontRef idx="minor">
-            <a:schemeClr val="lt1"/>
-          </a:fontRef>
-        </p:style>
-        <p:txBody>
-          <a:bodyPr rtlCol="0" anchor="ctr"/>
-          <a:lstStyle/>
-          <a:p>
-            <a:pPr algn="ctr"/>
-            <a:r>
-              <a:rPr lang="en-US" altLang="ko-KR" sz="1200" dirty="0" smtClean="0">
-                <a:solidFill>
-                  <a:schemeClr val="tx1"/>
-                </a:solidFill>
-              </a:rPr>
-              <a:t>Views(Control)</a:t>
-            </a:r>
-          </a:p>
-          <a:p>
-            <a:pPr algn="ctr"/>
-            <a:endParaRPr lang="en-US" altLang="ko-KR" sz="1200" dirty="0" smtClean="0">
-              <a:solidFill>
-                <a:schemeClr val="tx1"/>
-              </a:solidFill>
-            </a:endParaRPr>
-          </a:p>
-          <a:p>
-            <a:r>
-              <a:rPr lang="en-US" altLang="ko-KR" sz="1200" dirty="0" smtClean="0">
-                <a:solidFill>
-                  <a:schemeClr val="tx1"/>
-                </a:solidFill>
-              </a:rPr>
-              <a:t>views.py</a:t>
-            </a:r>
-          </a:p>
-          <a:p>
-            <a:endParaRPr lang="en-US" altLang="ko-KR" sz="1200" dirty="0">
-              <a:solidFill>
-                <a:schemeClr val="tx1"/>
-              </a:solidFill>
-            </a:endParaRPr>
-          </a:p>
-          <a:p>
-            <a:r>
-              <a:rPr lang="en-US" altLang="ko-KR" sz="1200" dirty="0" smtClean="0">
-                <a:solidFill>
-                  <a:schemeClr val="tx1"/>
-                </a:solidFill>
-              </a:rPr>
-              <a:t>(CBVs, FBVs)</a:t>
-            </a:r>
-            <a:endParaRPr lang="en-US" altLang="ko-KR" sz="1200" dirty="0">
-              <a:solidFill>
-                <a:schemeClr val="tx1"/>
-              </a:solidFill>
-            </a:endParaRPr>
-          </a:p>
-          <a:p>
-            <a:r>
-              <a:rPr lang="en-US" altLang="ko-KR" sz="1200" dirty="0" smtClean="0">
-                <a:solidFill>
-                  <a:schemeClr val="tx1"/>
-                </a:solidFill>
-              </a:rPr>
-              <a:t>Class Based Views(CBVs)</a:t>
-            </a:r>
-            <a:endParaRPr lang="en-US" altLang="ko-KR" sz="1200" dirty="0">
-              <a:solidFill>
-                <a:schemeClr val="tx1"/>
-              </a:solidFill>
-            </a:endParaRPr>
-          </a:p>
-          <a:p>
-            <a:r>
-              <a:rPr lang="en-US" altLang="ko-KR" sz="1200" dirty="0" smtClean="0">
-                <a:solidFill>
-                  <a:schemeClr val="tx1"/>
-                </a:solidFill>
-              </a:rPr>
-              <a:t>Function Based Views</a:t>
-            </a:r>
-          </a:p>
-        </p:txBody>
-      </p:sp>
-      <p:sp>
-        <p:nvSpPr>
-          <p:cNvPr id="15" name="직사각형 14"/>
-          <p:cNvSpPr/>
-          <p:nvPr/>
-        </p:nvSpPr>
-        <p:spPr>
-          <a:xfrm>
-            <a:off x="7735076" y="2612063"/>
-            <a:ext cx="1924822" cy="1213956"/>
-          </a:xfrm>
-          <a:prstGeom prst="rect">
-            <a:avLst/>
-          </a:prstGeom>
-          <a:solidFill>
-            <a:schemeClr val="bg1"/>
-          </a:solidFill>
-          <a:ln w="25400">
-            <a:solidFill>
-              <a:schemeClr val="tx2"/>
-            </a:solidFill>
-          </a:ln>
-        </p:spPr>
-        <p:style>
-          <a:lnRef idx="2">
-            <a:schemeClr val="accent1">
-              <a:shade val="50000"/>
-            </a:schemeClr>
-          </a:lnRef>
-          <a:fillRef idx="1">
-            <a:schemeClr val="accent1"/>
-          </a:fillRef>
-          <a:effectRef idx="0">
-            <a:schemeClr val="accent1"/>
-          </a:effectRef>
-          <a:fontRef idx="minor">
-            <a:schemeClr val="lt1"/>
-          </a:fontRef>
-        </p:style>
-        <p:txBody>
-          <a:bodyPr rtlCol="0" anchor="ctr"/>
-          <a:lstStyle/>
-          <a:p>
-            <a:pPr algn="ctr"/>
-            <a:r>
-              <a:rPr lang="en-US" altLang="ko-KR" sz="1200" dirty="0" smtClean="0">
-                <a:solidFill>
-                  <a:schemeClr val="tx1"/>
-                </a:solidFill>
-              </a:rPr>
-              <a:t>Models</a:t>
-            </a:r>
-          </a:p>
-          <a:p>
-            <a:pPr algn="ctr"/>
-            <a:r>
-              <a:rPr lang="en-US" altLang="ko-KR" sz="1200" dirty="0" smtClean="0">
-                <a:solidFill>
-                  <a:schemeClr val="tx1"/>
-                </a:solidFill>
-              </a:rPr>
-              <a:t>(ORM)</a:t>
-            </a:r>
-          </a:p>
-          <a:p>
-            <a:pPr algn="ctr"/>
-            <a:endParaRPr lang="en-US" altLang="ko-KR" sz="1200" dirty="0" smtClean="0">
-              <a:solidFill>
-                <a:schemeClr val="tx1"/>
-              </a:solidFill>
-            </a:endParaRPr>
-          </a:p>
-          <a:p>
-            <a:r>
-              <a:rPr lang="en-US" altLang="ko-KR" sz="1200" dirty="0" smtClean="0">
-                <a:solidFill>
-                  <a:schemeClr val="tx1"/>
-                </a:solidFill>
-              </a:rPr>
-              <a:t>models.py</a:t>
-            </a:r>
-          </a:p>
-          <a:p>
-            <a:endParaRPr lang="en-US" altLang="ko-KR" sz="1200" dirty="0">
-              <a:solidFill>
-                <a:schemeClr val="tx1"/>
-              </a:solidFill>
-            </a:endParaRPr>
-          </a:p>
-        </p:txBody>
-      </p:sp>
-      <p:cxnSp>
-        <p:nvCxnSpPr>
-          <p:cNvPr id="19" name="직선 화살표 연결선 18"/>
-          <p:cNvCxnSpPr/>
-          <p:nvPr/>
-        </p:nvCxnSpPr>
-        <p:spPr>
-          <a:xfrm>
-            <a:off x="1782145" y="2864499"/>
-            <a:ext cx="1726165" cy="0"/>
-          </a:xfrm>
-          <a:prstGeom prst="straightConnector1">
-            <a:avLst/>
-          </a:prstGeom>
-          <a:ln w="25400">
-            <a:solidFill>
-              <a:schemeClr val="accent2">
-                <a:lumMod val="60000"/>
-                <a:lumOff val="40000"/>
-              </a:schemeClr>
-            </a:solidFill>
-            <a:tailEnd type="triangle"/>
-          </a:ln>
-        </p:spPr>
-        <p:style>
-          <a:lnRef idx="1">
-            <a:schemeClr val="accent1"/>
-          </a:lnRef>
-          <a:fillRef idx="0">
-            <a:schemeClr val="accent1"/>
-          </a:fillRef>
-          <a:effectRef idx="0">
-            <a:schemeClr val="accent1"/>
-          </a:effectRef>
-          <a:fontRef idx="minor">
-            <a:schemeClr val="tx1"/>
-          </a:fontRef>
-        </p:style>
-      </p:cxnSp>
-      <p:sp>
-        <p:nvSpPr>
-          <p:cNvPr id="20" name="TextBox 19"/>
-          <p:cNvSpPr txBox="1"/>
-          <p:nvPr/>
-        </p:nvSpPr>
-        <p:spPr>
-          <a:xfrm>
-            <a:off x="2043404" y="2583649"/>
-            <a:ext cx="1250302" cy="261610"/>
-          </a:xfrm>
-          <a:prstGeom prst="rect">
-            <a:avLst/>
-          </a:prstGeom>
-          <a:noFill/>
-        </p:spPr>
-        <p:txBody>
-          <a:bodyPr wrap="square" rtlCol="0">
-            <a:spAutoFit/>
-          </a:bodyPr>
-          <a:lstStyle/>
-          <a:p>
-            <a:r>
-              <a:rPr lang="en-US" altLang="ko-KR" sz="1100" dirty="0" smtClean="0"/>
-              <a:t>Request</a:t>
-            </a:r>
-            <a:endParaRPr lang="ko-KR" altLang="en-US" sz="1100" dirty="0"/>
-          </a:p>
-        </p:txBody>
-      </p:sp>
-      <p:cxnSp>
-        <p:nvCxnSpPr>
-          <p:cNvPr id="23" name="직선 화살표 연결선 22"/>
-          <p:cNvCxnSpPr/>
-          <p:nvPr/>
-        </p:nvCxnSpPr>
-        <p:spPr>
-          <a:xfrm>
-            <a:off x="4833255" y="2864499"/>
-            <a:ext cx="465766" cy="0"/>
-          </a:xfrm>
-          <a:prstGeom prst="straightConnector1">
-            <a:avLst/>
-          </a:prstGeom>
-          <a:ln w="25400">
-            <a:solidFill>
-              <a:schemeClr val="accent2">
-                <a:lumMod val="60000"/>
-                <a:lumOff val="40000"/>
-              </a:schemeClr>
-            </a:solidFill>
-            <a:tailEnd type="triangle"/>
-          </a:ln>
-        </p:spPr>
-        <p:style>
-          <a:lnRef idx="1">
-            <a:schemeClr val="accent1"/>
-          </a:lnRef>
-          <a:fillRef idx="0">
-            <a:schemeClr val="accent1"/>
-          </a:fillRef>
-          <a:effectRef idx="0">
-            <a:schemeClr val="accent1"/>
-          </a:effectRef>
-          <a:fontRef idx="minor">
-            <a:schemeClr val="tx1"/>
-          </a:fontRef>
-        </p:style>
-      </p:cxnSp>
-      <p:cxnSp>
-        <p:nvCxnSpPr>
-          <p:cNvPr id="26" name="직선 화살표 연결선 25"/>
-          <p:cNvCxnSpPr/>
-          <p:nvPr/>
-        </p:nvCxnSpPr>
-        <p:spPr>
-          <a:xfrm flipH="1">
-            <a:off x="1847461" y="3601618"/>
-            <a:ext cx="3451560" cy="0"/>
-          </a:xfrm>
-          <a:prstGeom prst="straightConnector1">
-            <a:avLst/>
-          </a:prstGeom>
-          <a:ln w="25400">
-            <a:solidFill>
-              <a:schemeClr val="accent2">
-                <a:lumMod val="60000"/>
-                <a:lumOff val="40000"/>
-              </a:schemeClr>
-            </a:solidFill>
-            <a:prstDash val="sysDash"/>
-            <a:tailEnd type="triangle"/>
-          </a:ln>
-        </p:spPr>
-        <p:style>
-          <a:lnRef idx="1">
-            <a:schemeClr val="accent1"/>
-          </a:lnRef>
-          <a:fillRef idx="0">
-            <a:schemeClr val="accent1"/>
-          </a:fillRef>
-          <a:effectRef idx="0">
-            <a:schemeClr val="accent1"/>
-          </a:effectRef>
-          <a:fontRef idx="minor">
-            <a:schemeClr val="tx1"/>
-          </a:fontRef>
-        </p:style>
-      </p:cxnSp>
-      <p:grpSp>
-        <p:nvGrpSpPr>
-          <p:cNvPr id="49" name="그룹 48"/>
-          <p:cNvGrpSpPr/>
-          <p:nvPr/>
-        </p:nvGrpSpPr>
-        <p:grpSpPr>
-          <a:xfrm>
-            <a:off x="4842786" y="3601618"/>
-            <a:ext cx="230866" cy="743274"/>
-            <a:chOff x="4842786" y="2995127"/>
-            <a:chExt cx="230866" cy="743274"/>
-          </a:xfrm>
-        </p:grpSpPr>
-        <p:cxnSp>
-          <p:nvCxnSpPr>
-            <p:cNvPr id="37" name="직선 연결선 36"/>
-            <p:cNvCxnSpPr/>
-            <p:nvPr/>
-          </p:nvCxnSpPr>
-          <p:spPr>
-            <a:xfrm>
-              <a:off x="4842786" y="3732245"/>
-              <a:ext cx="230866" cy="0"/>
-            </a:xfrm>
-            <a:prstGeom prst="line">
-              <a:avLst/>
-            </a:prstGeom>
-            <a:ln w="25400">
-              <a:solidFill>
-                <a:schemeClr val="accent2">
-                  <a:lumMod val="60000"/>
-                  <a:lumOff val="40000"/>
-                </a:schemeClr>
-              </a:solidFill>
-              <a:prstDash val="sysDash"/>
-            </a:ln>
-          </p:spPr>
-          <p:style>
-            <a:lnRef idx="1">
-              <a:schemeClr val="accent1"/>
-            </a:lnRef>
-            <a:fillRef idx="0">
-              <a:schemeClr val="accent1"/>
-            </a:fillRef>
-            <a:effectRef idx="0">
-              <a:schemeClr val="accent1"/>
-            </a:effectRef>
-            <a:fontRef idx="minor">
-              <a:schemeClr val="tx1"/>
-            </a:fontRef>
-          </p:style>
-        </p:cxnSp>
-        <p:cxnSp>
-          <p:nvCxnSpPr>
-            <p:cNvPr id="39" name="직선 연결선 38"/>
-            <p:cNvCxnSpPr/>
-            <p:nvPr/>
-          </p:nvCxnSpPr>
-          <p:spPr>
-            <a:xfrm flipV="1">
-              <a:off x="5073652" y="2995127"/>
-              <a:ext cx="0" cy="743274"/>
-            </a:xfrm>
-            <a:prstGeom prst="line">
-              <a:avLst/>
-            </a:prstGeom>
-            <a:ln w="25400">
-              <a:solidFill>
-                <a:schemeClr val="accent2">
-                  <a:lumMod val="60000"/>
-                  <a:lumOff val="40000"/>
-                </a:schemeClr>
-              </a:solidFill>
-              <a:prstDash val="sysDash"/>
-            </a:ln>
-          </p:spPr>
-          <p:style>
-            <a:lnRef idx="1">
-              <a:schemeClr val="accent1"/>
-            </a:lnRef>
-            <a:fillRef idx="0">
-              <a:schemeClr val="accent1"/>
-            </a:fillRef>
-            <a:effectRef idx="0">
-              <a:schemeClr val="accent1"/>
-            </a:effectRef>
-            <a:fontRef idx="minor">
-              <a:schemeClr val="tx1"/>
-            </a:fontRef>
-          </p:style>
-        </p:cxnSp>
-      </p:grpSp>
-      <p:grpSp>
-        <p:nvGrpSpPr>
-          <p:cNvPr id="50" name="그룹 49"/>
-          <p:cNvGrpSpPr/>
-          <p:nvPr/>
-        </p:nvGrpSpPr>
-        <p:grpSpPr>
-          <a:xfrm>
-            <a:off x="3267920" y="3601618"/>
-            <a:ext cx="230866" cy="743274"/>
-            <a:chOff x="3277445" y="2995127"/>
-            <a:chExt cx="230866" cy="743274"/>
-          </a:xfrm>
-        </p:grpSpPr>
-        <p:cxnSp>
-          <p:nvCxnSpPr>
-            <p:cNvPr id="47" name="직선 연결선 46"/>
-            <p:cNvCxnSpPr/>
-            <p:nvPr/>
-          </p:nvCxnSpPr>
-          <p:spPr>
-            <a:xfrm>
-              <a:off x="3277445" y="3732245"/>
-              <a:ext cx="230866" cy="0"/>
-            </a:xfrm>
-            <a:prstGeom prst="line">
-              <a:avLst/>
-            </a:prstGeom>
-            <a:ln w="25400">
-              <a:solidFill>
-                <a:schemeClr val="accent2">
-                  <a:lumMod val="60000"/>
-                  <a:lumOff val="40000"/>
-                </a:schemeClr>
-              </a:solidFill>
-              <a:prstDash val="sysDash"/>
-            </a:ln>
-          </p:spPr>
-          <p:style>
-            <a:lnRef idx="1">
-              <a:schemeClr val="accent1"/>
-            </a:lnRef>
-            <a:fillRef idx="0">
-              <a:schemeClr val="accent1"/>
-            </a:fillRef>
-            <a:effectRef idx="0">
-              <a:schemeClr val="accent1"/>
-            </a:effectRef>
-            <a:fontRef idx="minor">
-              <a:schemeClr val="tx1"/>
-            </a:fontRef>
-          </p:style>
-        </p:cxnSp>
-        <p:cxnSp>
-          <p:nvCxnSpPr>
-            <p:cNvPr id="48" name="직선 연결선 47"/>
-            <p:cNvCxnSpPr/>
-            <p:nvPr/>
-          </p:nvCxnSpPr>
-          <p:spPr>
-            <a:xfrm flipV="1">
-              <a:off x="3280622" y="2995127"/>
-              <a:ext cx="0" cy="743274"/>
-            </a:xfrm>
-            <a:prstGeom prst="line">
-              <a:avLst/>
-            </a:prstGeom>
-            <a:ln w="25400">
-              <a:solidFill>
-                <a:schemeClr val="accent2">
-                  <a:lumMod val="60000"/>
-                  <a:lumOff val="40000"/>
-                </a:schemeClr>
-              </a:solidFill>
-              <a:prstDash val="sysDash"/>
-            </a:ln>
-          </p:spPr>
-          <p:style>
-            <a:lnRef idx="1">
-              <a:schemeClr val="accent1"/>
-            </a:lnRef>
-            <a:fillRef idx="0">
-              <a:schemeClr val="accent1"/>
-            </a:fillRef>
-            <a:effectRef idx="0">
-              <a:schemeClr val="accent1"/>
-            </a:effectRef>
-            <a:fontRef idx="minor">
-              <a:schemeClr val="tx1"/>
-            </a:fontRef>
-          </p:style>
-        </p:cxnSp>
-      </p:grpSp>
-      <p:sp>
-        <p:nvSpPr>
-          <p:cNvPr id="51" name="TextBox 50"/>
-          <p:cNvSpPr txBox="1"/>
-          <p:nvPr/>
-        </p:nvSpPr>
-        <p:spPr>
-          <a:xfrm>
-            <a:off x="1981871" y="3255772"/>
-            <a:ext cx="2048188" cy="600164"/>
-          </a:xfrm>
-          <a:prstGeom prst="rect">
-            <a:avLst/>
-          </a:prstGeom>
-          <a:noFill/>
-        </p:spPr>
-        <p:txBody>
-          <a:bodyPr wrap="square" rtlCol="0">
-            <a:spAutoFit/>
-          </a:bodyPr>
-          <a:lstStyle/>
-          <a:p>
-            <a:r>
-              <a:rPr lang="en-US" altLang="ko-KR" sz="1100" dirty="0" smtClean="0"/>
-              <a:t>Response</a:t>
-            </a:r>
-          </a:p>
-          <a:p>
-            <a:r>
-              <a:rPr lang="en-US" altLang="ko-KR" sz="1100" dirty="0" smtClean="0"/>
-              <a:t>HTML : </a:t>
-            </a:r>
-            <a:r>
-              <a:rPr lang="en-US" altLang="ko-KR" sz="1100" dirty="0" err="1" smtClean="0"/>
-              <a:t>HttpResponse</a:t>
-            </a:r>
-            <a:endParaRPr lang="en-US" altLang="ko-KR" sz="1100" dirty="0" smtClean="0"/>
-          </a:p>
-          <a:p>
-            <a:r>
-              <a:rPr lang="en-US" altLang="ko-KR" sz="1100" dirty="0" smtClean="0"/>
-              <a:t>JSON : </a:t>
-            </a:r>
-            <a:r>
-              <a:rPr lang="en-US" altLang="ko-KR" sz="1100" dirty="0" err="1" smtClean="0"/>
-              <a:t>Serializer</a:t>
-            </a:r>
-            <a:endParaRPr lang="ko-KR" altLang="en-US" sz="1100" dirty="0"/>
-          </a:p>
-        </p:txBody>
-      </p:sp>
-      <p:sp>
-        <p:nvSpPr>
-          <p:cNvPr id="52" name="TextBox 51"/>
-          <p:cNvSpPr txBox="1"/>
-          <p:nvPr/>
-        </p:nvSpPr>
-        <p:spPr>
-          <a:xfrm>
-            <a:off x="4702323" y="3641553"/>
-            <a:ext cx="1148179" cy="430887"/>
-          </a:xfrm>
-          <a:prstGeom prst="rect">
-            <a:avLst/>
-          </a:prstGeom>
-          <a:noFill/>
-        </p:spPr>
-        <p:txBody>
-          <a:bodyPr wrap="square" rtlCol="0">
-            <a:spAutoFit/>
-          </a:bodyPr>
-          <a:lstStyle/>
-          <a:p>
-            <a:r>
-              <a:rPr lang="en-US" altLang="ko-KR" sz="1100" dirty="0" smtClean="0"/>
-              <a:t>Template rendering</a:t>
-            </a:r>
-            <a:endParaRPr lang="ko-KR" altLang="en-US" sz="1100" dirty="0"/>
-          </a:p>
-        </p:txBody>
-      </p:sp>
-      <p:cxnSp>
-        <p:nvCxnSpPr>
-          <p:cNvPr id="54" name="직선 연결선 53"/>
-          <p:cNvCxnSpPr>
-            <a:stCxn id="13" idx="0"/>
-          </p:cNvCxnSpPr>
-          <p:nvPr/>
-        </p:nvCxnSpPr>
-        <p:spPr>
-          <a:xfrm flipH="1" flipV="1">
-            <a:off x="4170782" y="4572466"/>
-            <a:ext cx="1" cy="363426"/>
-          </a:xfrm>
-          <a:prstGeom prst="line">
-            <a:avLst/>
-          </a:prstGeom>
-          <a:ln w="25400">
-            <a:solidFill>
-              <a:schemeClr val="accent2">
-                <a:lumMod val="60000"/>
-                <a:lumOff val="40000"/>
-              </a:schemeClr>
-            </a:solidFill>
-            <a:prstDash val="sysDash"/>
-          </a:ln>
-        </p:spPr>
-        <p:style>
-          <a:lnRef idx="1">
-            <a:schemeClr val="accent1"/>
-          </a:lnRef>
-          <a:fillRef idx="0">
-            <a:schemeClr val="accent1"/>
-          </a:fillRef>
-          <a:effectRef idx="0">
-            <a:schemeClr val="accent1"/>
-          </a:effectRef>
-          <a:fontRef idx="minor">
-            <a:schemeClr val="tx1"/>
-          </a:fontRef>
-        </p:style>
-      </p:cxnSp>
-      <p:cxnSp>
-        <p:nvCxnSpPr>
-          <p:cNvPr id="56" name="직선 연결선 55"/>
-          <p:cNvCxnSpPr>
-            <a:stCxn id="13" idx="3"/>
-          </p:cNvCxnSpPr>
-          <p:nvPr/>
-        </p:nvCxnSpPr>
-        <p:spPr>
-          <a:xfrm>
-            <a:off x="4833255" y="5309116"/>
-            <a:ext cx="465766" cy="0"/>
-          </a:xfrm>
-          <a:prstGeom prst="line">
-            <a:avLst/>
-          </a:prstGeom>
-          <a:ln w="25400">
-            <a:solidFill>
-              <a:schemeClr val="accent2">
-                <a:lumMod val="60000"/>
-                <a:lumOff val="40000"/>
-              </a:schemeClr>
-            </a:solidFill>
-            <a:prstDash val="sysDash"/>
-          </a:ln>
-        </p:spPr>
-        <p:style>
-          <a:lnRef idx="1">
-            <a:schemeClr val="accent1"/>
-          </a:lnRef>
-          <a:fillRef idx="0">
-            <a:schemeClr val="accent1"/>
-          </a:fillRef>
-          <a:effectRef idx="0">
-            <a:schemeClr val="accent1"/>
-          </a:effectRef>
-          <a:fontRef idx="minor">
-            <a:schemeClr val="tx1"/>
-          </a:fontRef>
-        </p:style>
-      </p:cxnSp>
-      <p:cxnSp>
-        <p:nvCxnSpPr>
-          <p:cNvPr id="57" name="직선 화살표 연결선 56"/>
-          <p:cNvCxnSpPr/>
-          <p:nvPr/>
-        </p:nvCxnSpPr>
-        <p:spPr>
-          <a:xfrm>
-            <a:off x="7394509" y="2864499"/>
-            <a:ext cx="340567" cy="0"/>
-          </a:xfrm>
-          <a:prstGeom prst="straightConnector1">
-            <a:avLst/>
-          </a:prstGeom>
-          <a:ln w="25400">
-            <a:solidFill>
-              <a:schemeClr val="accent2">
-                <a:lumMod val="60000"/>
-                <a:lumOff val="40000"/>
-              </a:schemeClr>
-            </a:solidFill>
-            <a:tailEnd type="triangle"/>
-          </a:ln>
-        </p:spPr>
-        <p:style>
-          <a:lnRef idx="1">
-            <a:schemeClr val="accent1"/>
-          </a:lnRef>
-          <a:fillRef idx="0">
-            <a:schemeClr val="accent1"/>
-          </a:fillRef>
-          <a:effectRef idx="0">
-            <a:schemeClr val="accent1"/>
-          </a:effectRef>
-          <a:fontRef idx="minor">
-            <a:schemeClr val="tx1"/>
-          </a:fontRef>
-        </p:style>
-      </p:cxnSp>
-      <p:cxnSp>
-        <p:nvCxnSpPr>
-          <p:cNvPr id="59" name="직선 화살표 연결선 58"/>
-          <p:cNvCxnSpPr/>
-          <p:nvPr/>
-        </p:nvCxnSpPr>
-        <p:spPr>
-          <a:xfrm flipH="1">
-            <a:off x="7394509" y="3462592"/>
-            <a:ext cx="340566" cy="0"/>
-          </a:xfrm>
-          <a:prstGeom prst="straightConnector1">
-            <a:avLst/>
-          </a:prstGeom>
-          <a:ln w="25400">
-            <a:solidFill>
-              <a:schemeClr val="accent2">
-                <a:lumMod val="60000"/>
-                <a:lumOff val="40000"/>
-              </a:schemeClr>
-            </a:solidFill>
-            <a:prstDash val="sysDash"/>
-            <a:tailEnd type="triangle"/>
-          </a:ln>
-        </p:spPr>
-        <p:style>
-          <a:lnRef idx="1">
-            <a:schemeClr val="accent1"/>
-          </a:lnRef>
-          <a:fillRef idx="0">
-            <a:schemeClr val="accent1"/>
-          </a:fillRef>
-          <a:effectRef idx="0">
-            <a:schemeClr val="accent1"/>
-          </a:effectRef>
-          <a:fontRef idx="minor">
-            <a:schemeClr val="tx1"/>
-          </a:fontRef>
-        </p:style>
-      </p:cxnSp>
-      <p:cxnSp>
-        <p:nvCxnSpPr>
-          <p:cNvPr id="66" name="직선 화살표 연결선 65"/>
-          <p:cNvCxnSpPr/>
-          <p:nvPr/>
-        </p:nvCxnSpPr>
-        <p:spPr>
-          <a:xfrm>
-            <a:off x="9659898" y="2864499"/>
-            <a:ext cx="934248" cy="0"/>
-          </a:xfrm>
-          <a:prstGeom prst="straightConnector1">
-            <a:avLst/>
-          </a:prstGeom>
-          <a:ln w="25400">
-            <a:solidFill>
-              <a:schemeClr val="accent2">
-                <a:lumMod val="60000"/>
-                <a:lumOff val="40000"/>
-              </a:schemeClr>
-            </a:solidFill>
-            <a:tailEnd type="triangle"/>
-          </a:ln>
-        </p:spPr>
-        <p:style>
-          <a:lnRef idx="1">
-            <a:schemeClr val="accent1"/>
-          </a:lnRef>
-          <a:fillRef idx="0">
-            <a:schemeClr val="accent1"/>
-          </a:fillRef>
-          <a:effectRef idx="0">
-            <a:schemeClr val="accent1"/>
-          </a:effectRef>
-          <a:fontRef idx="minor">
-            <a:schemeClr val="tx1"/>
-          </a:fontRef>
-        </p:style>
-      </p:cxnSp>
-      <p:cxnSp>
-        <p:nvCxnSpPr>
-          <p:cNvPr id="68" name="직선 화살표 연결선 67"/>
-          <p:cNvCxnSpPr/>
-          <p:nvPr/>
-        </p:nvCxnSpPr>
-        <p:spPr>
-          <a:xfrm flipH="1">
-            <a:off x="9659898" y="3462592"/>
-            <a:ext cx="934248" cy="0"/>
-          </a:xfrm>
-          <a:prstGeom prst="straightConnector1">
-            <a:avLst/>
-          </a:prstGeom>
-          <a:ln w="25400">
-            <a:solidFill>
-              <a:schemeClr val="accent2">
-                <a:lumMod val="60000"/>
-                <a:lumOff val="40000"/>
-              </a:schemeClr>
-            </a:solidFill>
-            <a:prstDash val="sysDash"/>
-            <a:tailEnd type="triangle"/>
-          </a:ln>
-        </p:spPr>
-        <p:style>
-          <a:lnRef idx="1">
-            <a:schemeClr val="accent1"/>
-          </a:lnRef>
-          <a:fillRef idx="0">
-            <a:schemeClr val="accent1"/>
-          </a:fillRef>
-          <a:effectRef idx="0">
-            <a:schemeClr val="accent1"/>
-          </a:effectRef>
-          <a:fontRef idx="minor">
-            <a:schemeClr val="tx1"/>
-          </a:fontRef>
-        </p:style>
-      </p:cxnSp>
-      <p:sp>
-        <p:nvSpPr>
-          <p:cNvPr id="70" name="TextBox 69"/>
-          <p:cNvSpPr txBox="1"/>
-          <p:nvPr/>
-        </p:nvSpPr>
-        <p:spPr>
-          <a:xfrm>
-            <a:off x="10113019" y="3015946"/>
-            <a:ext cx="1250302" cy="261610"/>
-          </a:xfrm>
-          <a:prstGeom prst="rect">
-            <a:avLst/>
-          </a:prstGeom>
-          <a:noFill/>
-        </p:spPr>
-        <p:txBody>
-          <a:bodyPr wrap="square" rtlCol="0">
-            <a:spAutoFit/>
-          </a:bodyPr>
-          <a:lstStyle/>
-          <a:p>
-            <a:r>
-              <a:rPr lang="en-US" altLang="ko-KR" sz="1100" dirty="0" smtClean="0"/>
-              <a:t>ORM</a:t>
-            </a:r>
-            <a:endParaRPr lang="ko-KR" altLang="en-US" sz="1100" dirty="0"/>
-          </a:p>
-        </p:txBody>
-      </p:sp>
-      <p:sp>
-        <p:nvSpPr>
-          <p:cNvPr id="71" name="순서도: 자기 디스크 70"/>
-          <p:cNvSpPr/>
-          <p:nvPr/>
-        </p:nvSpPr>
-        <p:spPr>
-          <a:xfrm>
-            <a:off x="10676936" y="2724534"/>
-            <a:ext cx="1399591" cy="885474"/>
-          </a:xfrm>
-          <a:prstGeom prst="flowChartMagneticDisk">
-            <a:avLst/>
-          </a:prstGeom>
-          <a:noFill/>
-          <a:ln>
-            <a:solidFill>
-              <a:srgbClr val="002060"/>
-            </a:solidFill>
-          </a:ln>
-        </p:spPr>
-        <p:style>
-          <a:lnRef idx="2">
-            <a:schemeClr val="accent1">
-              <a:shade val="50000"/>
-            </a:schemeClr>
-          </a:lnRef>
-          <a:fillRef idx="1">
-            <a:schemeClr val="accent1"/>
-          </a:fillRef>
-          <a:effectRef idx="0">
-            <a:schemeClr val="accent1"/>
-          </a:effectRef>
-          <a:fontRef idx="minor">
-            <a:schemeClr val="lt1"/>
-          </a:fontRef>
-        </p:style>
-        <p:txBody>
-          <a:bodyPr rtlCol="0" anchor="ctr"/>
-          <a:lstStyle/>
-          <a:p>
-            <a:pPr algn="ctr"/>
-            <a:r>
-              <a:rPr lang="en-US" altLang="ko-KR" dirty="0" smtClean="0">
-                <a:solidFill>
-                  <a:schemeClr val="tx1"/>
-                </a:solidFill>
-              </a:rPr>
-              <a:t>DB</a:t>
-            </a:r>
-            <a:endParaRPr lang="ko-KR" altLang="en-US" dirty="0">
-              <a:solidFill>
-                <a:schemeClr val="tx1"/>
-              </a:solidFill>
-            </a:endParaRPr>
-          </a:p>
-        </p:txBody>
-      </p:sp>
-    </p:spTree>
-    <p:extLst>
-      <p:ext uri="{BB962C8B-B14F-4D97-AF65-F5344CB8AC3E}">
-        <p14:creationId xmlns:p14="http://schemas.microsoft.com/office/powerpoint/2010/main" val="4095493338"/>
-      </p:ext>
-    </p:extLst>
-  </p:cSld>
-  <p:clrMapOvr>
-    <a:masterClrMapping/>
-  </p:clrMapOvr>
-  <p:timing>
-    <p:tnLst>
-      <p:par>
-        <p:cTn id="1" dur="indefinite" restart="never" nodeType="tmRoot"/>
-      </p:par>
-    </p:tnLst>
-  </p:timing>
-</p:sld>
-</file>
-
-<file path=ppt/slides/slide2.xml><?xml version="1.0" encoding="utf-8"?>
-<p:sld xmlns:a="http://schemas.openxmlformats.org/drawingml/2006/main" xmlns:r="http://schemas.openxmlformats.org/officeDocument/2006/relationships" xmlns:p="http://schemas.openxmlformats.org/presentationml/2006/main">
-  <p:cSld>
-    <p:spTree>
-      <p:nvGrpSpPr>
-        <p:cNvPr id="1" name=""/>
-        <p:cNvGrpSpPr/>
-        <p:nvPr/>
-      </p:nvGrpSpPr>
-      <p:grpSpPr>
-        <a:xfrm>
-          <a:off x="0" y="0"/>
-          <a:ext cx="0" cy="0"/>
-          <a:chOff x="0" y="0"/>
-          <a:chExt cx="0" cy="0"/>
-        </a:xfrm>
-      </p:grpSpPr>
       <p:grpSp>
         <p:nvGrpSpPr>
           <p:cNvPr id="2" name="그룹 1"/>
@@ -6519,7 +4744,7 @@
 </p:sld>
 </file>
 
-<file path=ppt/slides/slide3.xml><?xml version="1.0" encoding="utf-8"?>
+<file path=ppt/slides/slide2.xml><?xml version="1.0" encoding="utf-8"?>
 <p:sld xmlns:a="http://schemas.openxmlformats.org/drawingml/2006/main" xmlns:r="http://schemas.openxmlformats.org/officeDocument/2006/relationships" xmlns:p="http://schemas.openxmlformats.org/presentationml/2006/main">
   <p:cSld>
     <p:spTree>
@@ -6735,11 +4960,6 @@
                 </a:rPr>
                 <a:t>eb</a:t>
               </a:r>
-              <a:endParaRPr lang="en-US" altLang="ko-KR" dirty="0" smtClean="0">
-                <a:solidFill>
-                  <a:schemeClr val="tx1"/>
-                </a:solidFill>
-              </a:endParaRPr>
             </a:p>
             <a:p>
               <a:pPr algn="ctr"/>
@@ -7107,11 +5327,6 @@
                 </a:rPr>
                 <a:t>classification</a:t>
               </a:r>
-              <a:endParaRPr lang="en-US" altLang="ko-KR" dirty="0" smtClean="0">
-                <a:solidFill>
-                  <a:schemeClr val="tx1"/>
-                </a:solidFill>
-              </a:endParaRPr>
             </a:p>
             <a:p>
               <a:pPr algn="ctr"/>
@@ -7229,11 +5444,6 @@
                 </a:rPr>
                 <a:t>word vector</a:t>
               </a:r>
-              <a:endParaRPr lang="en-US" altLang="ko-KR" dirty="0" smtClean="0">
-                <a:solidFill>
-                  <a:schemeClr val="tx1"/>
-                </a:solidFill>
-              </a:endParaRPr>
             </a:p>
             <a:p>
               <a:pPr algn="ctr"/>
@@ -7669,6 +5879,770 @@
     <p:extLst>
       <p:ext uri="{BB962C8B-B14F-4D97-AF65-F5344CB8AC3E}">
         <p14:creationId xmlns:p14="http://schemas.microsoft.com/office/powerpoint/2010/main" val="474761348"/>
+      </p:ext>
+    </p:extLst>
+  </p:cSld>
+  <p:clrMapOvr>
+    <a:masterClrMapping/>
+  </p:clrMapOvr>
+  <p:timing>
+    <p:tnLst>
+      <p:par>
+        <p:cTn id="1" dur="indefinite" restart="never" nodeType="tmRoot"/>
+      </p:par>
+    </p:tnLst>
+  </p:timing>
+</p:sld>
+</file>
+
+<file path=ppt/slides/slide3.xml><?xml version="1.0" encoding="utf-8"?>
+<p:sld xmlns:a="http://schemas.openxmlformats.org/drawingml/2006/main" xmlns:r="http://schemas.openxmlformats.org/officeDocument/2006/relationships" xmlns:p="http://schemas.openxmlformats.org/presentationml/2006/main">
+  <p:cSld>
+    <p:spTree>
+      <p:nvGrpSpPr>
+        <p:cNvPr id="1" name=""/>
+        <p:cNvGrpSpPr/>
+        <p:nvPr/>
+      </p:nvGrpSpPr>
+      <p:grpSpPr>
+        <a:xfrm>
+          <a:off x="0" y="0"/>
+          <a:ext cx="0" cy="0"/>
+          <a:chOff x="0" y="0"/>
+          <a:chExt cx="0" cy="0"/>
+        </a:xfrm>
+      </p:grpSpPr>
+      <p:sp>
+        <p:nvSpPr>
+          <p:cNvPr id="28" name="직사각형 27"/>
+          <p:cNvSpPr/>
+          <p:nvPr/>
+        </p:nvSpPr>
+        <p:spPr>
+          <a:xfrm>
+            <a:off x="1471030" y="729673"/>
+            <a:ext cx="10224654" cy="5846618"/>
+          </a:xfrm>
+          <a:prstGeom prst="rect">
+            <a:avLst/>
+          </a:prstGeom>
+          <a:noFill/>
+          <a:ln>
+            <a:solidFill>
+              <a:schemeClr val="bg1">
+                <a:lumMod val="65000"/>
+              </a:schemeClr>
+            </a:solidFill>
+          </a:ln>
+        </p:spPr>
+        <p:style>
+          <a:lnRef idx="2">
+            <a:schemeClr val="accent1">
+              <a:shade val="50000"/>
+            </a:schemeClr>
+          </a:lnRef>
+          <a:fillRef idx="1">
+            <a:schemeClr val="accent1"/>
+          </a:fillRef>
+          <a:effectRef idx="0">
+            <a:schemeClr val="accent1"/>
+          </a:effectRef>
+          <a:fontRef idx="minor">
+            <a:schemeClr val="lt1"/>
+          </a:fontRef>
+        </p:style>
+        <p:txBody>
+          <a:bodyPr rtlCol="0" anchor="ctr"/>
+          <a:lstStyle/>
+          <a:p>
+            <a:pPr algn="ctr"/>
+            <a:endParaRPr lang="ko-KR" altLang="en-US"/>
+          </a:p>
+        </p:txBody>
+      </p:sp>
+      <p:sp>
+        <p:nvSpPr>
+          <p:cNvPr id="29" name="직사각형 28"/>
+          <p:cNvSpPr/>
+          <p:nvPr/>
+        </p:nvSpPr>
+        <p:spPr>
+          <a:xfrm>
+            <a:off x="2293211" y="993168"/>
+            <a:ext cx="2858512" cy="1593014"/>
+          </a:xfrm>
+          <a:prstGeom prst="rect">
+            <a:avLst/>
+          </a:prstGeom>
+          <a:noFill/>
+          <a:ln w="25400">
+            <a:solidFill>
+              <a:srgbClr val="002060"/>
+            </a:solidFill>
+          </a:ln>
+        </p:spPr>
+        <p:style>
+          <a:lnRef idx="2">
+            <a:schemeClr val="accent1">
+              <a:shade val="50000"/>
+            </a:schemeClr>
+          </a:lnRef>
+          <a:fillRef idx="1">
+            <a:schemeClr val="accent1"/>
+          </a:fillRef>
+          <a:effectRef idx="0">
+            <a:schemeClr val="accent1"/>
+          </a:effectRef>
+          <a:fontRef idx="minor">
+            <a:schemeClr val="lt1"/>
+          </a:fontRef>
+        </p:style>
+        <p:txBody>
+          <a:bodyPr rtlCol="0" anchor="ctr"/>
+          <a:lstStyle/>
+          <a:p>
+            <a:pPr algn="ctr"/>
+            <a:r>
+              <a:rPr lang="ko-KR" altLang="en-US" dirty="0" smtClean="0">
+                <a:solidFill>
+                  <a:schemeClr val="tx1"/>
+                </a:solidFill>
+              </a:rPr>
+              <a:t>기사 입력</a:t>
+            </a:r>
+            <a:endParaRPr lang="en-US" altLang="ko-KR" dirty="0" smtClean="0">
+              <a:solidFill>
+                <a:schemeClr val="tx1"/>
+              </a:solidFill>
+            </a:endParaRPr>
+          </a:p>
+          <a:p>
+            <a:pPr algn="ctr"/>
+            <a:r>
+              <a:rPr lang="en-US" altLang="ko-KR" dirty="0" smtClean="0">
+                <a:solidFill>
+                  <a:schemeClr val="tx1"/>
+                </a:solidFill>
+              </a:rPr>
+              <a:t>(text area)</a:t>
+            </a:r>
+            <a:endParaRPr lang="ko-KR" altLang="en-US" dirty="0">
+              <a:solidFill>
+                <a:schemeClr val="tx1"/>
+              </a:solidFill>
+            </a:endParaRPr>
+          </a:p>
+        </p:txBody>
+      </p:sp>
+      <p:sp>
+        <p:nvSpPr>
+          <p:cNvPr id="39" name="직사각형 38"/>
+          <p:cNvSpPr/>
+          <p:nvPr/>
+        </p:nvSpPr>
+        <p:spPr>
+          <a:xfrm>
+            <a:off x="4886673" y="3287422"/>
+            <a:ext cx="3005439" cy="645736"/>
+          </a:xfrm>
+          <a:prstGeom prst="rect">
+            <a:avLst/>
+          </a:prstGeom>
+          <a:noFill/>
+          <a:ln w="25400">
+            <a:solidFill>
+              <a:srgbClr val="002060"/>
+            </a:solidFill>
+          </a:ln>
+        </p:spPr>
+        <p:style>
+          <a:lnRef idx="2">
+            <a:schemeClr val="accent1">
+              <a:shade val="50000"/>
+            </a:schemeClr>
+          </a:lnRef>
+          <a:fillRef idx="1">
+            <a:schemeClr val="accent1"/>
+          </a:fillRef>
+          <a:effectRef idx="0">
+            <a:schemeClr val="accent1"/>
+          </a:effectRef>
+          <a:fontRef idx="minor">
+            <a:schemeClr val="lt1"/>
+          </a:fontRef>
+        </p:style>
+        <p:txBody>
+          <a:bodyPr rtlCol="0" anchor="ctr"/>
+          <a:lstStyle/>
+          <a:p>
+            <a:pPr algn="ctr"/>
+            <a:r>
+              <a:rPr lang="ko-KR" altLang="en-US" dirty="0" smtClean="0">
+                <a:solidFill>
+                  <a:schemeClr val="tx1"/>
+                </a:solidFill>
+              </a:rPr>
+              <a:t>카테고리 분류 결과</a:t>
+            </a:r>
+            <a:endParaRPr lang="en-US" altLang="ko-KR" dirty="0" smtClean="0">
+              <a:solidFill>
+                <a:schemeClr val="tx1"/>
+              </a:solidFill>
+            </a:endParaRPr>
+          </a:p>
+          <a:p>
+            <a:pPr algn="ctr"/>
+            <a:r>
+              <a:rPr lang="en-US" altLang="ko-KR" dirty="0" smtClean="0">
+                <a:solidFill>
+                  <a:schemeClr val="tx1"/>
+                </a:solidFill>
+              </a:rPr>
+              <a:t>(classification model)</a:t>
+            </a:r>
+            <a:endParaRPr lang="ko-KR" altLang="en-US" dirty="0">
+              <a:solidFill>
+                <a:schemeClr val="tx1"/>
+              </a:solidFill>
+            </a:endParaRPr>
+          </a:p>
+        </p:txBody>
+      </p:sp>
+      <p:cxnSp>
+        <p:nvCxnSpPr>
+          <p:cNvPr id="40" name="직선 화살표 연결선 39"/>
+          <p:cNvCxnSpPr/>
+          <p:nvPr/>
+        </p:nvCxnSpPr>
+        <p:spPr>
+          <a:xfrm flipV="1">
+            <a:off x="5649548" y="1910364"/>
+            <a:ext cx="1628707" cy="1"/>
+          </a:xfrm>
+          <a:prstGeom prst="straightConnector1">
+            <a:avLst/>
+          </a:prstGeom>
+          <a:ln>
+            <a:solidFill>
+              <a:schemeClr val="bg1">
+                <a:lumMod val="75000"/>
+              </a:schemeClr>
+            </a:solidFill>
+            <a:tailEnd type="triangle"/>
+          </a:ln>
+        </p:spPr>
+        <p:style>
+          <a:lnRef idx="1">
+            <a:schemeClr val="accent1"/>
+          </a:lnRef>
+          <a:fillRef idx="0">
+            <a:schemeClr val="accent1"/>
+          </a:fillRef>
+          <a:effectRef idx="0">
+            <a:schemeClr val="accent1"/>
+          </a:effectRef>
+          <a:fontRef idx="minor">
+            <a:schemeClr val="tx1"/>
+          </a:fontRef>
+        </p:style>
+      </p:cxnSp>
+      <p:sp>
+        <p:nvSpPr>
+          <p:cNvPr id="42" name="직사각형 41"/>
+          <p:cNvSpPr/>
+          <p:nvPr/>
+        </p:nvSpPr>
+        <p:spPr>
+          <a:xfrm>
+            <a:off x="-18033" y="16522"/>
+            <a:ext cx="2610921" cy="518740"/>
+          </a:xfrm>
+          <a:prstGeom prst="rect">
+            <a:avLst/>
+          </a:prstGeom>
+          <a:noFill/>
+          <a:ln w="25400">
+            <a:solidFill>
+              <a:schemeClr val="accent1">
+                <a:lumMod val="40000"/>
+                <a:lumOff val="60000"/>
+              </a:schemeClr>
+            </a:solidFill>
+          </a:ln>
+        </p:spPr>
+        <p:style>
+          <a:lnRef idx="2">
+            <a:schemeClr val="accent1">
+              <a:shade val="50000"/>
+            </a:schemeClr>
+          </a:lnRef>
+          <a:fillRef idx="1">
+            <a:schemeClr val="accent1"/>
+          </a:fillRef>
+          <a:effectRef idx="0">
+            <a:schemeClr val="accent1"/>
+          </a:effectRef>
+          <a:fontRef idx="minor">
+            <a:schemeClr val="lt1"/>
+          </a:fontRef>
+        </p:style>
+        <p:txBody>
+          <a:bodyPr rtlCol="0" anchor="ctr"/>
+          <a:lstStyle/>
+          <a:p>
+            <a:pPr algn="ctr"/>
+            <a:r>
+              <a:rPr lang="en-US" altLang="ko-KR" dirty="0" smtClean="0">
+                <a:solidFill>
+                  <a:schemeClr val="tx1"/>
+                </a:solidFill>
+              </a:rPr>
+              <a:t>Web design</a:t>
+            </a:r>
+            <a:endParaRPr lang="ko-KR" altLang="en-US" dirty="0">
+              <a:solidFill>
+                <a:schemeClr val="tx1"/>
+              </a:solidFill>
+            </a:endParaRPr>
+          </a:p>
+        </p:txBody>
+      </p:sp>
+      <p:sp>
+        <p:nvSpPr>
+          <p:cNvPr id="44" name="직사각형 43"/>
+          <p:cNvSpPr/>
+          <p:nvPr/>
+        </p:nvSpPr>
+        <p:spPr>
+          <a:xfrm>
+            <a:off x="7643235" y="993168"/>
+            <a:ext cx="2858512" cy="1593014"/>
+          </a:xfrm>
+          <a:prstGeom prst="rect">
+            <a:avLst/>
+          </a:prstGeom>
+          <a:noFill/>
+          <a:ln w="25400">
+            <a:solidFill>
+              <a:srgbClr val="002060"/>
+            </a:solidFill>
+          </a:ln>
+        </p:spPr>
+        <p:style>
+          <a:lnRef idx="2">
+            <a:schemeClr val="accent1">
+              <a:shade val="50000"/>
+            </a:schemeClr>
+          </a:lnRef>
+          <a:fillRef idx="1">
+            <a:schemeClr val="accent1"/>
+          </a:fillRef>
+          <a:effectRef idx="0">
+            <a:schemeClr val="accent1"/>
+          </a:effectRef>
+          <a:fontRef idx="minor">
+            <a:schemeClr val="lt1"/>
+          </a:fontRef>
+        </p:style>
+        <p:txBody>
+          <a:bodyPr rtlCol="0" anchor="ctr"/>
+          <a:lstStyle/>
+          <a:p>
+            <a:pPr algn="ctr"/>
+            <a:r>
+              <a:rPr lang="ko-KR" altLang="en-US" dirty="0" smtClean="0">
+                <a:solidFill>
+                  <a:schemeClr val="tx1"/>
+                </a:solidFill>
+              </a:rPr>
+              <a:t>형태소 분석 결과</a:t>
+            </a:r>
+            <a:endParaRPr lang="en-US" altLang="ko-KR" dirty="0" smtClean="0">
+              <a:solidFill>
+                <a:schemeClr val="tx1"/>
+              </a:solidFill>
+            </a:endParaRPr>
+          </a:p>
+          <a:p>
+            <a:pPr algn="ctr"/>
+            <a:r>
+              <a:rPr lang="en-US" altLang="ko-KR" dirty="0" smtClean="0">
+                <a:solidFill>
+                  <a:schemeClr val="tx1"/>
+                </a:solidFill>
+              </a:rPr>
+              <a:t>(</a:t>
+            </a:r>
+            <a:r>
+              <a:rPr lang="en-US" altLang="ko-KR" dirty="0" err="1" smtClean="0">
+                <a:solidFill>
+                  <a:schemeClr val="tx1"/>
+                </a:solidFill>
+              </a:rPr>
+              <a:t>mecab</a:t>
+            </a:r>
+            <a:r>
+              <a:rPr lang="en-US" altLang="ko-KR" dirty="0" smtClean="0">
+                <a:solidFill>
+                  <a:schemeClr val="tx1"/>
+                </a:solidFill>
+              </a:rPr>
+              <a:t>)</a:t>
+            </a:r>
+            <a:endParaRPr lang="ko-KR" altLang="en-US" dirty="0">
+              <a:solidFill>
+                <a:schemeClr val="tx1"/>
+              </a:solidFill>
+            </a:endParaRPr>
+          </a:p>
+        </p:txBody>
+      </p:sp>
+      <p:cxnSp>
+        <p:nvCxnSpPr>
+          <p:cNvPr id="46" name="직선 화살표 연결선 45"/>
+          <p:cNvCxnSpPr/>
+          <p:nvPr/>
+        </p:nvCxnSpPr>
+        <p:spPr>
+          <a:xfrm>
+            <a:off x="6389392" y="2744095"/>
+            <a:ext cx="0" cy="543327"/>
+          </a:xfrm>
+          <a:prstGeom prst="straightConnector1">
+            <a:avLst/>
+          </a:prstGeom>
+          <a:ln>
+            <a:solidFill>
+              <a:schemeClr val="bg1">
+                <a:lumMod val="75000"/>
+              </a:schemeClr>
+            </a:solidFill>
+            <a:tailEnd type="triangle"/>
+          </a:ln>
+        </p:spPr>
+        <p:style>
+          <a:lnRef idx="1">
+            <a:schemeClr val="accent1"/>
+          </a:lnRef>
+          <a:fillRef idx="0">
+            <a:schemeClr val="accent1"/>
+          </a:fillRef>
+          <a:effectRef idx="0">
+            <a:schemeClr val="accent1"/>
+          </a:effectRef>
+          <a:fontRef idx="minor">
+            <a:schemeClr val="tx1"/>
+          </a:fontRef>
+        </p:style>
+      </p:cxnSp>
+      <p:sp>
+        <p:nvSpPr>
+          <p:cNvPr id="48" name="직사각형 47"/>
+          <p:cNvSpPr/>
+          <p:nvPr/>
+        </p:nvSpPr>
+        <p:spPr>
+          <a:xfrm>
+            <a:off x="4886673" y="4304152"/>
+            <a:ext cx="3005439" cy="518740"/>
+          </a:xfrm>
+          <a:prstGeom prst="rect">
+            <a:avLst/>
+          </a:prstGeom>
+          <a:noFill/>
+          <a:ln w="25400">
+            <a:solidFill>
+              <a:srgbClr val="002060"/>
+            </a:solidFill>
+          </a:ln>
+        </p:spPr>
+        <p:style>
+          <a:lnRef idx="2">
+            <a:schemeClr val="accent1">
+              <a:shade val="50000"/>
+            </a:schemeClr>
+          </a:lnRef>
+          <a:fillRef idx="1">
+            <a:schemeClr val="accent1"/>
+          </a:fillRef>
+          <a:effectRef idx="0">
+            <a:schemeClr val="accent1"/>
+          </a:effectRef>
+          <a:fontRef idx="minor">
+            <a:schemeClr val="lt1"/>
+          </a:fontRef>
+        </p:style>
+        <p:txBody>
+          <a:bodyPr rtlCol="0" anchor="ctr"/>
+          <a:lstStyle/>
+          <a:p>
+            <a:pPr algn="ctr"/>
+            <a:r>
+              <a:rPr lang="ko-KR" altLang="en-US" dirty="0" smtClean="0">
+                <a:solidFill>
+                  <a:schemeClr val="tx1"/>
+                </a:solidFill>
+              </a:rPr>
+              <a:t>해당 문서 핵심 단어</a:t>
+            </a:r>
+            <a:r>
+              <a:rPr lang="en-US" altLang="ko-KR" dirty="0" smtClean="0">
+                <a:solidFill>
+                  <a:schemeClr val="tx1"/>
+                </a:solidFill>
+              </a:rPr>
+              <a:t>(</a:t>
+            </a:r>
+            <a:r>
+              <a:rPr lang="en-US" altLang="ko-KR" dirty="0" err="1" smtClean="0">
+                <a:solidFill>
+                  <a:schemeClr val="tx1"/>
+                </a:solidFill>
+              </a:rPr>
+              <a:t>tf-dif</a:t>
+            </a:r>
+            <a:r>
+              <a:rPr lang="en-US" altLang="ko-KR" dirty="0" smtClean="0">
+                <a:solidFill>
+                  <a:schemeClr val="tx1"/>
+                </a:solidFill>
+              </a:rPr>
+              <a:t>)</a:t>
+            </a:r>
+            <a:endParaRPr lang="ko-KR" altLang="en-US" dirty="0">
+              <a:solidFill>
+                <a:schemeClr val="tx1"/>
+              </a:solidFill>
+            </a:endParaRPr>
+          </a:p>
+        </p:txBody>
+      </p:sp>
+      <p:sp>
+        <p:nvSpPr>
+          <p:cNvPr id="49" name="직사각형 48"/>
+          <p:cNvSpPr/>
+          <p:nvPr/>
+        </p:nvSpPr>
+        <p:spPr>
+          <a:xfrm>
+            <a:off x="4886672" y="5412530"/>
+            <a:ext cx="3005439" cy="975744"/>
+          </a:xfrm>
+          <a:prstGeom prst="rect">
+            <a:avLst/>
+          </a:prstGeom>
+          <a:noFill/>
+          <a:ln w="25400">
+            <a:solidFill>
+              <a:srgbClr val="002060"/>
+            </a:solidFill>
+          </a:ln>
+        </p:spPr>
+        <p:style>
+          <a:lnRef idx="2">
+            <a:schemeClr val="accent1">
+              <a:shade val="50000"/>
+            </a:schemeClr>
+          </a:lnRef>
+          <a:fillRef idx="1">
+            <a:schemeClr val="accent1"/>
+          </a:fillRef>
+          <a:effectRef idx="0">
+            <a:schemeClr val="accent1"/>
+          </a:effectRef>
+          <a:fontRef idx="minor">
+            <a:schemeClr val="lt1"/>
+          </a:fontRef>
+        </p:style>
+        <p:txBody>
+          <a:bodyPr rtlCol="0" anchor="ctr"/>
+          <a:lstStyle/>
+          <a:p>
+            <a:pPr algn="ctr"/>
+            <a:r>
+              <a:rPr lang="ko-KR" altLang="en-US" dirty="0">
+                <a:solidFill>
+                  <a:schemeClr val="tx1"/>
+                </a:solidFill>
+              </a:rPr>
+              <a:t>핵심 단어와 연관된 단어 그래프 시각화</a:t>
+            </a:r>
+            <a:endParaRPr lang="en-US" altLang="ko-KR" dirty="0">
+              <a:solidFill>
+                <a:schemeClr val="tx1"/>
+              </a:solidFill>
+            </a:endParaRPr>
+          </a:p>
+          <a:p>
+            <a:pPr algn="ctr"/>
+            <a:r>
+              <a:rPr lang="en-US" altLang="ko-KR" dirty="0">
+                <a:solidFill>
+                  <a:schemeClr val="tx1"/>
+                </a:solidFill>
+              </a:rPr>
+              <a:t>word2vec</a:t>
+            </a:r>
+            <a:endParaRPr lang="ko-KR" altLang="en-US" dirty="0">
+              <a:solidFill>
+                <a:schemeClr val="tx1"/>
+              </a:solidFill>
+            </a:endParaRPr>
+          </a:p>
+        </p:txBody>
+      </p:sp>
+      <p:sp>
+        <p:nvSpPr>
+          <p:cNvPr id="50" name="직사각형 49"/>
+          <p:cNvSpPr/>
+          <p:nvPr/>
+        </p:nvSpPr>
+        <p:spPr>
+          <a:xfrm>
+            <a:off x="1658920" y="5412530"/>
+            <a:ext cx="3005439" cy="975744"/>
+          </a:xfrm>
+          <a:prstGeom prst="rect">
+            <a:avLst/>
+          </a:prstGeom>
+          <a:noFill/>
+          <a:ln w="25400">
+            <a:solidFill>
+              <a:srgbClr val="002060"/>
+            </a:solidFill>
+          </a:ln>
+        </p:spPr>
+        <p:style>
+          <a:lnRef idx="2">
+            <a:schemeClr val="accent1">
+              <a:shade val="50000"/>
+            </a:schemeClr>
+          </a:lnRef>
+          <a:fillRef idx="1">
+            <a:schemeClr val="accent1"/>
+          </a:fillRef>
+          <a:effectRef idx="0">
+            <a:schemeClr val="accent1"/>
+          </a:effectRef>
+          <a:fontRef idx="minor">
+            <a:schemeClr val="lt1"/>
+          </a:fontRef>
+        </p:style>
+        <p:txBody>
+          <a:bodyPr rtlCol="0" anchor="ctr"/>
+          <a:lstStyle/>
+          <a:p>
+            <a:pPr algn="ctr"/>
+            <a:r>
+              <a:rPr lang="ko-KR" altLang="en-US" dirty="0" smtClean="0">
+                <a:solidFill>
+                  <a:schemeClr val="tx1"/>
+                </a:solidFill>
+              </a:rPr>
+              <a:t>핵심 단어와 연관된 단어 그래프 시각화</a:t>
+            </a:r>
+            <a:endParaRPr lang="en-US" altLang="ko-KR" dirty="0" smtClean="0">
+              <a:solidFill>
+                <a:schemeClr val="tx1"/>
+              </a:solidFill>
+            </a:endParaRPr>
+          </a:p>
+          <a:p>
+            <a:pPr algn="ctr"/>
+            <a:r>
+              <a:rPr lang="en-US" altLang="ko-KR" dirty="0" smtClean="0">
+                <a:solidFill>
+                  <a:schemeClr val="tx1"/>
+                </a:solidFill>
+              </a:rPr>
+              <a:t>word2vec</a:t>
+            </a:r>
+            <a:endParaRPr lang="ko-KR" altLang="en-US" dirty="0">
+              <a:solidFill>
+                <a:schemeClr val="tx1"/>
+              </a:solidFill>
+            </a:endParaRPr>
+          </a:p>
+        </p:txBody>
+      </p:sp>
+      <p:sp>
+        <p:nvSpPr>
+          <p:cNvPr id="51" name="직사각형 50"/>
+          <p:cNvSpPr/>
+          <p:nvPr/>
+        </p:nvSpPr>
+        <p:spPr>
+          <a:xfrm>
+            <a:off x="8114424" y="5412530"/>
+            <a:ext cx="3005439" cy="975744"/>
+          </a:xfrm>
+          <a:prstGeom prst="rect">
+            <a:avLst/>
+          </a:prstGeom>
+          <a:noFill/>
+          <a:ln w="25400">
+            <a:solidFill>
+              <a:srgbClr val="002060"/>
+            </a:solidFill>
+          </a:ln>
+        </p:spPr>
+        <p:style>
+          <a:lnRef idx="2">
+            <a:schemeClr val="accent1">
+              <a:shade val="50000"/>
+            </a:schemeClr>
+          </a:lnRef>
+          <a:fillRef idx="1">
+            <a:schemeClr val="accent1"/>
+          </a:fillRef>
+          <a:effectRef idx="0">
+            <a:schemeClr val="accent1"/>
+          </a:effectRef>
+          <a:fontRef idx="minor">
+            <a:schemeClr val="lt1"/>
+          </a:fontRef>
+        </p:style>
+        <p:txBody>
+          <a:bodyPr rtlCol="0" anchor="ctr"/>
+          <a:lstStyle/>
+          <a:p>
+            <a:pPr algn="ctr"/>
+            <a:r>
+              <a:rPr lang="ko-KR" altLang="en-US" dirty="0">
+                <a:solidFill>
+                  <a:schemeClr val="tx1"/>
+                </a:solidFill>
+              </a:rPr>
+              <a:t>핵심 단어와 연관된 단어 그래프 시각화</a:t>
+            </a:r>
+            <a:endParaRPr lang="en-US" altLang="ko-KR" dirty="0">
+              <a:solidFill>
+                <a:schemeClr val="tx1"/>
+              </a:solidFill>
+            </a:endParaRPr>
+          </a:p>
+          <a:p>
+            <a:pPr algn="ctr"/>
+            <a:r>
+              <a:rPr lang="en-US" altLang="ko-KR" dirty="0">
+                <a:solidFill>
+                  <a:schemeClr val="tx1"/>
+                </a:solidFill>
+              </a:rPr>
+              <a:t>word2vec</a:t>
+            </a:r>
+            <a:endParaRPr lang="ko-KR" altLang="en-US" dirty="0">
+              <a:solidFill>
+                <a:schemeClr val="tx1"/>
+              </a:solidFill>
+            </a:endParaRPr>
+          </a:p>
+        </p:txBody>
+      </p:sp>
+    </p:spTree>
+    <p:extLst>
+      <p:ext uri="{BB962C8B-B14F-4D97-AF65-F5344CB8AC3E}">
+        <p14:creationId xmlns:p14="http://schemas.microsoft.com/office/powerpoint/2010/main" val="568008779"/>
       </p:ext>
     </p:extLst>
   </p:cSld>

--- a/project model.pptx
+++ b/project model.pptx
@@ -8,6 +8,7 @@
     <p:sldId id="259" r:id="rId2"/>
     <p:sldId id="258" r:id="rId3"/>
     <p:sldId id="260" r:id="rId4"/>
+    <p:sldId id="261" r:id="rId5"/>
   </p:sldIdLst>
   <p:sldSz cx="12192000" cy="6858000"/>
   <p:notesSz cx="6858000" cy="9144000"/>
@@ -245,7 +246,7 @@
           <a:p>
             <a:fld id="{46B992F3-5C36-4B2B-9E6E-8A03018EC3BA}" type="datetimeFigureOut">
               <a:rPr lang="ko-KR" altLang="en-US" smtClean="0"/>
-              <a:t>2018-10-01</a:t>
+              <a:t>2018-10-05</a:t>
             </a:fld>
             <a:endParaRPr lang="ko-KR" altLang="en-US"/>
           </a:p>
@@ -415,7 +416,7 @@
           <a:p>
             <a:fld id="{46B992F3-5C36-4B2B-9E6E-8A03018EC3BA}" type="datetimeFigureOut">
               <a:rPr lang="ko-KR" altLang="en-US" smtClean="0"/>
-              <a:t>2018-10-01</a:t>
+              <a:t>2018-10-05</a:t>
             </a:fld>
             <a:endParaRPr lang="ko-KR" altLang="en-US"/>
           </a:p>
@@ -595,7 +596,7 @@
           <a:p>
             <a:fld id="{46B992F3-5C36-4B2B-9E6E-8A03018EC3BA}" type="datetimeFigureOut">
               <a:rPr lang="ko-KR" altLang="en-US" smtClean="0"/>
-              <a:t>2018-10-01</a:t>
+              <a:t>2018-10-05</a:t>
             </a:fld>
             <a:endParaRPr lang="ko-KR" altLang="en-US"/>
           </a:p>
@@ -765,7 +766,7 @@
           <a:p>
             <a:fld id="{46B992F3-5C36-4B2B-9E6E-8A03018EC3BA}" type="datetimeFigureOut">
               <a:rPr lang="ko-KR" altLang="en-US" smtClean="0"/>
-              <a:t>2018-10-01</a:t>
+              <a:t>2018-10-05</a:t>
             </a:fld>
             <a:endParaRPr lang="ko-KR" altLang="en-US"/>
           </a:p>
@@ -1011,7 +1012,7 @@
           <a:p>
             <a:fld id="{46B992F3-5C36-4B2B-9E6E-8A03018EC3BA}" type="datetimeFigureOut">
               <a:rPr lang="ko-KR" altLang="en-US" smtClean="0"/>
-              <a:t>2018-10-01</a:t>
+              <a:t>2018-10-05</a:t>
             </a:fld>
             <a:endParaRPr lang="ko-KR" altLang="en-US"/>
           </a:p>
@@ -1243,7 +1244,7 @@
           <a:p>
             <a:fld id="{46B992F3-5C36-4B2B-9E6E-8A03018EC3BA}" type="datetimeFigureOut">
               <a:rPr lang="ko-KR" altLang="en-US" smtClean="0"/>
-              <a:t>2018-10-01</a:t>
+              <a:t>2018-10-05</a:t>
             </a:fld>
             <a:endParaRPr lang="ko-KR" altLang="en-US"/>
           </a:p>
@@ -1610,7 +1611,7 @@
           <a:p>
             <a:fld id="{46B992F3-5C36-4B2B-9E6E-8A03018EC3BA}" type="datetimeFigureOut">
               <a:rPr lang="ko-KR" altLang="en-US" smtClean="0"/>
-              <a:t>2018-10-01</a:t>
+              <a:t>2018-10-05</a:t>
             </a:fld>
             <a:endParaRPr lang="ko-KR" altLang="en-US"/>
           </a:p>
@@ -1728,7 +1729,7 @@
           <a:p>
             <a:fld id="{46B992F3-5C36-4B2B-9E6E-8A03018EC3BA}" type="datetimeFigureOut">
               <a:rPr lang="ko-KR" altLang="en-US" smtClean="0"/>
-              <a:t>2018-10-01</a:t>
+              <a:t>2018-10-05</a:t>
             </a:fld>
             <a:endParaRPr lang="ko-KR" altLang="en-US"/>
           </a:p>
@@ -1823,7 +1824,7 @@
           <a:p>
             <a:fld id="{46B992F3-5C36-4B2B-9E6E-8A03018EC3BA}" type="datetimeFigureOut">
               <a:rPr lang="ko-KR" altLang="en-US" smtClean="0"/>
-              <a:t>2018-10-01</a:t>
+              <a:t>2018-10-05</a:t>
             </a:fld>
             <a:endParaRPr lang="ko-KR" altLang="en-US"/>
           </a:p>
@@ -2100,7 +2101,7 @@
           <a:p>
             <a:fld id="{46B992F3-5C36-4B2B-9E6E-8A03018EC3BA}" type="datetimeFigureOut">
               <a:rPr lang="ko-KR" altLang="en-US" smtClean="0"/>
-              <a:t>2018-10-01</a:t>
+              <a:t>2018-10-05</a:t>
             </a:fld>
             <a:endParaRPr lang="ko-KR" altLang="en-US"/>
           </a:p>
@@ -2353,7 +2354,7 @@
           <a:p>
             <a:fld id="{46B992F3-5C36-4B2B-9E6E-8A03018EC3BA}" type="datetimeFigureOut">
               <a:rPr lang="ko-KR" altLang="en-US" smtClean="0"/>
-              <a:t>2018-10-01</a:t>
+              <a:t>2018-10-05</a:t>
             </a:fld>
             <a:endParaRPr lang="ko-KR" altLang="en-US"/>
           </a:p>
@@ -2566,7 +2567,7 @@
           <a:p>
             <a:fld id="{46B992F3-5C36-4B2B-9E6E-8A03018EC3BA}" type="datetimeFigureOut">
               <a:rPr lang="ko-KR" altLang="en-US" smtClean="0"/>
-              <a:t>2018-10-01</a:t>
+              <a:t>2018-10-05</a:t>
             </a:fld>
             <a:endParaRPr lang="ko-KR" altLang="en-US"/>
           </a:p>
@@ -6154,7 +6155,7 @@
         </p:nvSpPr>
         <p:spPr>
           <a:xfrm>
-            <a:off x="-18033" y="16522"/>
+            <a:off x="-18033" y="6794"/>
             <a:ext cx="2610921" cy="518740"/>
           </a:xfrm>
           <a:prstGeom prst="rect">
@@ -6643,6 +6644,904 @@
     <p:extLst>
       <p:ext uri="{BB962C8B-B14F-4D97-AF65-F5344CB8AC3E}">
         <p14:creationId xmlns:p14="http://schemas.microsoft.com/office/powerpoint/2010/main" val="568008779"/>
+      </p:ext>
+    </p:extLst>
+  </p:cSld>
+  <p:clrMapOvr>
+    <a:masterClrMapping/>
+  </p:clrMapOvr>
+  <p:timing>
+    <p:tnLst>
+      <p:par>
+        <p:cTn id="1" dur="indefinite" restart="never" nodeType="tmRoot"/>
+      </p:par>
+    </p:tnLst>
+  </p:timing>
+</p:sld>
+</file>
+
+<file path=ppt/slides/slide4.xml><?xml version="1.0" encoding="utf-8"?>
+<p:sld xmlns:a="http://schemas.openxmlformats.org/drawingml/2006/main" xmlns:r="http://schemas.openxmlformats.org/officeDocument/2006/relationships" xmlns:p="http://schemas.openxmlformats.org/presentationml/2006/main">
+  <p:cSld>
+    <p:spTree>
+      <p:nvGrpSpPr>
+        <p:cNvPr id="1" name=""/>
+        <p:cNvGrpSpPr/>
+        <p:nvPr/>
+      </p:nvGrpSpPr>
+      <p:grpSpPr>
+        <a:xfrm>
+          <a:off x="0" y="0"/>
+          <a:ext cx="0" cy="0"/>
+          <a:chOff x="0" y="0"/>
+          <a:chExt cx="0" cy="0"/>
+        </a:xfrm>
+      </p:grpSpPr>
+      <p:sp>
+        <p:nvSpPr>
+          <p:cNvPr id="29" name="직사각형 28"/>
+          <p:cNvSpPr/>
+          <p:nvPr/>
+        </p:nvSpPr>
+        <p:spPr>
+          <a:xfrm>
+            <a:off x="2205528" y="1005693"/>
+            <a:ext cx="8466647" cy="5589659"/>
+          </a:xfrm>
+          <a:prstGeom prst="rect">
+            <a:avLst/>
+          </a:prstGeom>
+          <a:noFill/>
+          <a:ln w="25400">
+            <a:solidFill>
+              <a:srgbClr val="002060"/>
+            </a:solidFill>
+          </a:ln>
+        </p:spPr>
+        <p:style>
+          <a:lnRef idx="2">
+            <a:schemeClr val="accent1">
+              <a:shade val="50000"/>
+            </a:schemeClr>
+          </a:lnRef>
+          <a:fillRef idx="1">
+            <a:schemeClr val="accent1"/>
+          </a:fillRef>
+          <a:effectRef idx="0">
+            <a:schemeClr val="accent1"/>
+          </a:effectRef>
+          <a:fontRef idx="minor">
+            <a:schemeClr val="lt1"/>
+          </a:fontRef>
+        </p:style>
+        <p:txBody>
+          <a:bodyPr rtlCol="0" anchor="t"/>
+          <a:lstStyle/>
+          <a:p>
+            <a:pPr marL="285750" indent="-285750">
+              <a:buFontTx/>
+              <a:buChar char="-"/>
+            </a:pPr>
+            <a:r>
+              <a:rPr lang="ko-KR" altLang="en-US" dirty="0" smtClean="0">
+                <a:solidFill>
+                  <a:schemeClr val="tx1"/>
+                </a:solidFill>
+              </a:rPr>
+              <a:t>각 기사를 하나로 합친다</a:t>
+            </a:r>
+            <a:endParaRPr lang="en-US" altLang="ko-KR" dirty="0" smtClean="0">
+              <a:solidFill>
+                <a:schemeClr val="tx1"/>
+              </a:solidFill>
+            </a:endParaRPr>
+          </a:p>
+          <a:p>
+            <a:pPr marL="742950" lvl="1" indent="-285750">
+              <a:buFontTx/>
+              <a:buChar char="-"/>
+            </a:pPr>
+            <a:r>
+              <a:rPr lang="ko-KR" altLang="en-US" dirty="0" smtClean="0">
+                <a:solidFill>
+                  <a:schemeClr val="tx1"/>
+                </a:solidFill>
+              </a:rPr>
+              <a:t>월별로 합침</a:t>
+            </a:r>
+            <a:r>
+              <a:rPr lang="en-US" altLang="ko-KR" dirty="0" smtClean="0">
+                <a:solidFill>
+                  <a:schemeClr val="tx1"/>
+                </a:solidFill>
+              </a:rPr>
+              <a:t>. 6</a:t>
+            </a:r>
+            <a:r>
+              <a:rPr lang="ko-KR" altLang="en-US" dirty="0" smtClean="0">
+                <a:solidFill>
+                  <a:schemeClr val="tx1"/>
+                </a:solidFill>
+              </a:rPr>
+              <a:t>월</a:t>
+            </a:r>
+            <a:r>
+              <a:rPr lang="en-US" altLang="ko-KR" dirty="0" smtClean="0">
+                <a:solidFill>
+                  <a:schemeClr val="tx1"/>
+                </a:solidFill>
+              </a:rPr>
+              <a:t>, 7</a:t>
+            </a:r>
+            <a:r>
+              <a:rPr lang="ko-KR" altLang="en-US" dirty="0" smtClean="0">
+                <a:solidFill>
+                  <a:schemeClr val="tx1"/>
+                </a:solidFill>
+              </a:rPr>
+              <a:t>월 등</a:t>
+            </a:r>
+            <a:endParaRPr lang="en-US" altLang="ko-KR" dirty="0" smtClean="0">
+              <a:solidFill>
+                <a:schemeClr val="tx1"/>
+              </a:solidFill>
+            </a:endParaRPr>
+          </a:p>
+          <a:p>
+            <a:pPr marL="742950" lvl="1" indent="-285750">
+              <a:buFontTx/>
+              <a:buChar char="-"/>
+            </a:pPr>
+            <a:r>
+              <a:rPr lang="en-US" altLang="ko-KR" dirty="0" smtClean="0">
+                <a:solidFill>
+                  <a:schemeClr val="tx1"/>
+                </a:solidFill>
+              </a:rPr>
+              <a:t>csv </a:t>
+            </a:r>
+            <a:r>
+              <a:rPr lang="ko-KR" altLang="en-US" dirty="0" smtClean="0">
+                <a:solidFill>
+                  <a:schemeClr val="tx1"/>
+                </a:solidFill>
+              </a:rPr>
+              <a:t>파일이 변경될 예정</a:t>
+            </a:r>
+            <a:endParaRPr lang="en-US" altLang="ko-KR" dirty="0" smtClean="0">
+              <a:solidFill>
+                <a:schemeClr val="tx1"/>
+              </a:solidFill>
+            </a:endParaRPr>
+          </a:p>
+          <a:p>
+            <a:pPr marL="1200150" lvl="2" indent="-285750">
+              <a:buFontTx/>
+              <a:buChar char="-"/>
+            </a:pPr>
+            <a:r>
+              <a:rPr lang="en-US" altLang="ko-KR" dirty="0" smtClean="0">
+                <a:solidFill>
+                  <a:schemeClr val="tx1"/>
+                </a:solidFill>
+              </a:rPr>
+              <a:t>Date, content(title + content </a:t>
+            </a:r>
+            <a:r>
+              <a:rPr lang="ko-KR" altLang="en-US" dirty="0" err="1" smtClean="0">
+                <a:solidFill>
+                  <a:schemeClr val="tx1"/>
+                </a:solidFill>
+              </a:rPr>
+              <a:t>합쳐짐</a:t>
+            </a:r>
+            <a:r>
+              <a:rPr lang="en-US" altLang="ko-KR" dirty="0" smtClean="0">
+                <a:solidFill>
+                  <a:schemeClr val="tx1"/>
+                </a:solidFill>
+              </a:rPr>
+              <a:t>), category</a:t>
+            </a:r>
+          </a:p>
+          <a:p>
+            <a:pPr marL="1657350" lvl="3" indent="-285750">
+              <a:buFontTx/>
+              <a:buChar char="-"/>
+            </a:pPr>
+            <a:r>
+              <a:rPr lang="en-US" altLang="ko-KR" dirty="0" smtClean="0">
+                <a:solidFill>
+                  <a:schemeClr val="tx1"/>
+                </a:solidFill>
+              </a:rPr>
+              <a:t>Category</a:t>
+            </a:r>
+            <a:r>
+              <a:rPr lang="ko-KR" altLang="en-US" dirty="0" smtClean="0">
+                <a:solidFill>
+                  <a:schemeClr val="tx1"/>
+                </a:solidFill>
+              </a:rPr>
+              <a:t>는 </a:t>
+            </a:r>
+            <a:r>
+              <a:rPr lang="en-US" altLang="ko-KR" dirty="0" smtClean="0">
+                <a:solidFill>
+                  <a:schemeClr val="tx1"/>
+                </a:solidFill>
+              </a:rPr>
+              <a:t>1. </a:t>
+            </a:r>
+            <a:r>
+              <a:rPr lang="ko-KR" altLang="en-US" dirty="0" smtClean="0">
+                <a:solidFill>
+                  <a:schemeClr val="tx1"/>
+                </a:solidFill>
+              </a:rPr>
+              <a:t>정치</a:t>
+            </a:r>
+            <a:r>
+              <a:rPr lang="en-US" altLang="ko-KR" dirty="0" smtClean="0">
+                <a:solidFill>
+                  <a:schemeClr val="tx1"/>
+                </a:solidFill>
+              </a:rPr>
+              <a:t>, 2. </a:t>
+            </a:r>
+            <a:r>
+              <a:rPr lang="ko-KR" altLang="en-US" dirty="0" smtClean="0">
+                <a:solidFill>
+                  <a:schemeClr val="tx1"/>
+                </a:solidFill>
+              </a:rPr>
+              <a:t>경제</a:t>
+            </a:r>
+            <a:r>
+              <a:rPr lang="en-US" altLang="ko-KR" dirty="0" smtClean="0">
+                <a:solidFill>
+                  <a:schemeClr val="tx1"/>
+                </a:solidFill>
+              </a:rPr>
+              <a:t>, 3. IT, 4. </a:t>
+            </a:r>
+            <a:r>
+              <a:rPr lang="ko-KR" altLang="en-US" dirty="0" smtClean="0">
+                <a:solidFill>
+                  <a:schemeClr val="tx1"/>
+                </a:solidFill>
+              </a:rPr>
+              <a:t>연예</a:t>
+            </a:r>
+            <a:endParaRPr lang="en-US" altLang="ko-KR" dirty="0" smtClean="0">
+              <a:solidFill>
+                <a:schemeClr val="tx1"/>
+              </a:solidFill>
+            </a:endParaRPr>
+          </a:p>
+          <a:p>
+            <a:pPr marL="1657350" lvl="3" indent="-285750">
+              <a:buFontTx/>
+              <a:buChar char="-"/>
+            </a:pPr>
+            <a:r>
+              <a:rPr lang="ko-KR" altLang="en-US" dirty="0" smtClean="0">
+                <a:solidFill>
+                  <a:schemeClr val="tx1"/>
+                </a:solidFill>
+              </a:rPr>
+              <a:t>형태소 분석 후 결과가 위와 같이 저장될 예정</a:t>
+            </a:r>
+            <a:endParaRPr lang="en-US" altLang="ko-KR" dirty="0" smtClean="0">
+              <a:solidFill>
+                <a:schemeClr val="tx1"/>
+              </a:solidFill>
+            </a:endParaRPr>
+          </a:p>
+          <a:p>
+            <a:pPr marL="742950" lvl="1" indent="-285750">
+              <a:buFontTx/>
+              <a:buChar char="-"/>
+            </a:pPr>
+            <a:r>
+              <a:rPr lang="ko-KR" altLang="en-US" dirty="0" smtClean="0">
+                <a:solidFill>
+                  <a:schemeClr val="tx1"/>
+                </a:solidFill>
+              </a:rPr>
+              <a:t>각 </a:t>
+            </a:r>
+            <a:r>
+              <a:rPr lang="ko-KR" altLang="en-US" dirty="0" err="1" smtClean="0">
+                <a:solidFill>
+                  <a:schemeClr val="tx1"/>
+                </a:solidFill>
+              </a:rPr>
+              <a:t>월당</a:t>
+            </a:r>
+            <a:r>
+              <a:rPr lang="ko-KR" altLang="en-US" dirty="0" smtClean="0">
+                <a:solidFill>
+                  <a:schemeClr val="tx1"/>
+                </a:solidFill>
+              </a:rPr>
+              <a:t> 기사 개수는 대략 </a:t>
+            </a:r>
+            <a:r>
+              <a:rPr lang="en-US" altLang="ko-KR" dirty="0" smtClean="0">
+                <a:solidFill>
+                  <a:schemeClr val="tx1"/>
+                </a:solidFill>
+              </a:rPr>
+              <a:t>13</a:t>
+            </a:r>
+            <a:r>
+              <a:rPr lang="ko-KR" altLang="en-US" dirty="0" smtClean="0">
+                <a:solidFill>
+                  <a:schemeClr val="tx1"/>
+                </a:solidFill>
+              </a:rPr>
+              <a:t>만개 정도 추정</a:t>
+            </a:r>
+            <a:endParaRPr lang="en-US" altLang="ko-KR" dirty="0" smtClean="0">
+              <a:solidFill>
+                <a:schemeClr val="tx1"/>
+              </a:solidFill>
+            </a:endParaRPr>
+          </a:p>
+          <a:p>
+            <a:pPr marL="742950" lvl="1" indent="-285750">
+              <a:buFontTx/>
+              <a:buChar char="-"/>
+            </a:pPr>
+            <a:r>
+              <a:rPr lang="en-US" altLang="ko-KR" dirty="0" smtClean="0">
+                <a:solidFill>
+                  <a:schemeClr val="tx1"/>
+                </a:solidFill>
+              </a:rPr>
+              <a:t>6,7,8,9 </a:t>
+            </a:r>
+            <a:r>
+              <a:rPr lang="ko-KR" altLang="en-US" dirty="0" smtClean="0">
+                <a:solidFill>
+                  <a:schemeClr val="tx1"/>
+                </a:solidFill>
+              </a:rPr>
+              <a:t>합치면 약 </a:t>
+            </a:r>
+            <a:r>
+              <a:rPr lang="en-US" altLang="ko-KR" dirty="0" smtClean="0">
+                <a:solidFill>
+                  <a:schemeClr val="tx1"/>
+                </a:solidFill>
+              </a:rPr>
+              <a:t>56</a:t>
+            </a:r>
+            <a:r>
+              <a:rPr lang="ko-KR" altLang="en-US" dirty="0" smtClean="0">
+                <a:solidFill>
+                  <a:schemeClr val="tx1"/>
+                </a:solidFill>
+              </a:rPr>
+              <a:t>만개 데이터</a:t>
+            </a:r>
+            <a:endParaRPr lang="en-US" altLang="ko-KR" dirty="0" smtClean="0">
+              <a:solidFill>
+                <a:schemeClr val="tx1"/>
+              </a:solidFill>
+            </a:endParaRPr>
+          </a:p>
+          <a:p>
+            <a:pPr marL="742950" lvl="1" indent="-285750">
+              <a:buFontTx/>
+              <a:buChar char="-"/>
+            </a:pPr>
+            <a:endParaRPr lang="en-US" altLang="ko-KR" dirty="0" smtClean="0">
+              <a:solidFill>
+                <a:schemeClr val="tx1"/>
+              </a:solidFill>
+            </a:endParaRPr>
+          </a:p>
+          <a:p>
+            <a:pPr marL="285750" indent="-285750">
+              <a:buFontTx/>
+              <a:buChar char="-"/>
+            </a:pPr>
+            <a:r>
+              <a:rPr lang="en-US" altLang="ko-KR" dirty="0" smtClean="0">
+                <a:solidFill>
+                  <a:schemeClr val="tx1"/>
+                </a:solidFill>
+              </a:rPr>
+              <a:t>pandas </a:t>
+            </a:r>
+            <a:r>
+              <a:rPr lang="en-US" altLang="ko-KR" dirty="0" err="1" smtClean="0">
+                <a:solidFill>
+                  <a:schemeClr val="tx1"/>
+                </a:solidFill>
+              </a:rPr>
+              <a:t>reindex</a:t>
+            </a:r>
+            <a:r>
+              <a:rPr lang="ko-KR" altLang="en-US" dirty="0" smtClean="0">
+                <a:solidFill>
+                  <a:schemeClr val="tx1"/>
+                </a:solidFill>
+              </a:rPr>
+              <a:t>로 데이터를 섞고 </a:t>
+            </a:r>
+            <a:r>
+              <a:rPr lang="en-US" altLang="ko-KR" dirty="0" err="1" smtClean="0">
+                <a:solidFill>
+                  <a:schemeClr val="tx1"/>
+                </a:solidFill>
+              </a:rPr>
+              <a:t>numpy</a:t>
+            </a:r>
+            <a:r>
+              <a:rPr lang="ko-KR" altLang="en-US" dirty="0" smtClean="0">
+                <a:solidFill>
+                  <a:schemeClr val="tx1"/>
+                </a:solidFill>
+              </a:rPr>
+              <a:t>로 가져오면 될 듯</a:t>
+            </a:r>
+            <a:endParaRPr lang="en-US" altLang="ko-KR" dirty="0" smtClean="0">
+              <a:solidFill>
+                <a:schemeClr val="tx1"/>
+              </a:solidFill>
+            </a:endParaRPr>
+          </a:p>
+          <a:p>
+            <a:pPr marL="742950" lvl="1" indent="-285750">
+              <a:buFontTx/>
+              <a:buChar char="-"/>
+            </a:pPr>
+            <a:r>
+              <a:rPr lang="en-US" altLang="ko-KR" dirty="0" err="1" smtClean="0">
+                <a:solidFill>
+                  <a:schemeClr val="tx1"/>
+                </a:solidFill>
+              </a:rPr>
+              <a:t>Train_test_split</a:t>
+            </a:r>
+            <a:r>
+              <a:rPr lang="en-US" altLang="ko-KR" dirty="0" smtClean="0">
+                <a:solidFill>
+                  <a:schemeClr val="tx1"/>
+                </a:solidFill>
+              </a:rPr>
+              <a:t>()</a:t>
+            </a:r>
+            <a:r>
+              <a:rPr lang="ko-KR" altLang="en-US" dirty="0" smtClean="0">
+                <a:solidFill>
+                  <a:schemeClr val="tx1"/>
+                </a:solidFill>
+              </a:rPr>
+              <a:t>은 </a:t>
+            </a:r>
+            <a:r>
+              <a:rPr lang="en-US" altLang="ko-KR" dirty="0" err="1" smtClean="0">
+                <a:solidFill>
+                  <a:schemeClr val="tx1"/>
+                </a:solidFill>
+              </a:rPr>
+              <a:t>numpy</a:t>
+            </a:r>
+            <a:r>
+              <a:rPr lang="en-US" altLang="ko-KR" dirty="0" smtClean="0">
+                <a:solidFill>
+                  <a:schemeClr val="tx1"/>
+                </a:solidFill>
+              </a:rPr>
+              <a:t> </a:t>
+            </a:r>
+            <a:r>
+              <a:rPr lang="ko-KR" altLang="en-US" dirty="0" smtClean="0">
+                <a:solidFill>
+                  <a:schemeClr val="tx1"/>
+                </a:solidFill>
+              </a:rPr>
+              <a:t>배열이 크면 메모리 오류가 나옴</a:t>
+            </a:r>
+            <a:endParaRPr lang="en-US" altLang="ko-KR" dirty="0" smtClean="0">
+              <a:solidFill>
+                <a:schemeClr val="tx1"/>
+              </a:solidFill>
+            </a:endParaRPr>
+          </a:p>
+          <a:p>
+            <a:pPr marL="742950" lvl="1" indent="-285750">
+              <a:buFontTx/>
+              <a:buChar char="-"/>
+            </a:pPr>
+            <a:r>
+              <a:rPr lang="ko-KR" altLang="en-US" dirty="0" smtClean="0">
+                <a:solidFill>
+                  <a:schemeClr val="tx1"/>
+                </a:solidFill>
+              </a:rPr>
+              <a:t>따라서 </a:t>
+            </a:r>
+            <a:r>
+              <a:rPr lang="en-US" altLang="ko-KR" dirty="0" smtClean="0">
+                <a:solidFill>
+                  <a:schemeClr val="tx1"/>
+                </a:solidFill>
+              </a:rPr>
+              <a:t>6,7,8,9</a:t>
+            </a:r>
+            <a:r>
+              <a:rPr lang="ko-KR" altLang="en-US" dirty="0" smtClean="0">
+                <a:solidFill>
+                  <a:schemeClr val="tx1"/>
+                </a:solidFill>
+              </a:rPr>
+              <a:t>를 하나로 합치고 </a:t>
+            </a:r>
+            <a:r>
+              <a:rPr lang="en-US" altLang="ko-KR" dirty="0" smtClean="0">
+                <a:solidFill>
+                  <a:schemeClr val="tx1"/>
+                </a:solidFill>
+              </a:rPr>
+              <a:t>(56</a:t>
+            </a:r>
+            <a:r>
+              <a:rPr lang="ko-KR" altLang="en-US" dirty="0" smtClean="0">
+                <a:solidFill>
+                  <a:schemeClr val="tx1"/>
+                </a:solidFill>
+              </a:rPr>
+              <a:t>만개</a:t>
+            </a:r>
+            <a:r>
+              <a:rPr lang="en-US" altLang="ko-KR" dirty="0" smtClean="0">
+                <a:solidFill>
+                  <a:schemeClr val="tx1"/>
+                </a:solidFill>
+              </a:rPr>
+              <a:t>) -&gt; </a:t>
+            </a:r>
+            <a:r>
+              <a:rPr lang="en-US" altLang="ko-KR" dirty="0" err="1" smtClean="0">
+                <a:solidFill>
+                  <a:schemeClr val="tx1"/>
+                </a:solidFill>
+              </a:rPr>
+              <a:t>reindex</a:t>
+            </a:r>
+            <a:r>
+              <a:rPr lang="en-US" altLang="ko-KR" dirty="0" smtClean="0">
+                <a:solidFill>
+                  <a:schemeClr val="tx1"/>
+                </a:solidFill>
+              </a:rPr>
+              <a:t> </a:t>
+            </a:r>
+            <a:r>
+              <a:rPr lang="ko-KR" altLang="en-US" dirty="0" smtClean="0">
+                <a:solidFill>
+                  <a:schemeClr val="tx1"/>
+                </a:solidFill>
+              </a:rPr>
+              <a:t>하고 </a:t>
+            </a:r>
+            <a:r>
+              <a:rPr lang="en-US" altLang="ko-KR" dirty="0" smtClean="0">
+                <a:solidFill>
+                  <a:schemeClr val="tx1"/>
+                </a:solidFill>
+              </a:rPr>
+              <a:t>-&gt; 6</a:t>
+            </a:r>
+            <a:r>
+              <a:rPr lang="ko-KR" altLang="en-US" dirty="0" err="1" smtClean="0">
+                <a:solidFill>
+                  <a:schemeClr val="tx1"/>
+                </a:solidFill>
+              </a:rPr>
+              <a:t>만개씩</a:t>
+            </a:r>
+            <a:r>
+              <a:rPr lang="ko-KR" altLang="en-US" dirty="0" smtClean="0">
+                <a:solidFill>
+                  <a:schemeClr val="tx1"/>
+                </a:solidFill>
+              </a:rPr>
+              <a:t> 잘라서 훈련하고 마지막 </a:t>
+            </a:r>
+            <a:r>
+              <a:rPr lang="en-US" altLang="ko-KR" dirty="0" smtClean="0">
+                <a:solidFill>
+                  <a:schemeClr val="tx1"/>
+                </a:solidFill>
+              </a:rPr>
+              <a:t>5</a:t>
+            </a:r>
+            <a:r>
+              <a:rPr lang="ko-KR" altLang="en-US" dirty="0" smtClean="0">
+                <a:solidFill>
+                  <a:schemeClr val="tx1"/>
+                </a:solidFill>
+              </a:rPr>
+              <a:t>만개로 테스트  </a:t>
+            </a:r>
+            <a:r>
+              <a:rPr lang="en-US" altLang="ko-KR" dirty="0" smtClean="0">
+                <a:solidFill>
+                  <a:schemeClr val="tx1"/>
+                </a:solidFill>
+              </a:rPr>
+              <a:t>set</a:t>
+            </a:r>
+            <a:r>
+              <a:rPr lang="ko-KR" altLang="en-US" dirty="0" smtClean="0">
+                <a:solidFill>
+                  <a:schemeClr val="tx1"/>
+                </a:solidFill>
+              </a:rPr>
+              <a:t>하고 </a:t>
+            </a:r>
+            <a:r>
+              <a:rPr lang="ko-KR" altLang="en-US" dirty="0" err="1" smtClean="0">
+                <a:solidFill>
+                  <a:schemeClr val="tx1"/>
+                </a:solidFill>
+              </a:rPr>
+              <a:t>이런식으로</a:t>
+            </a:r>
+            <a:r>
+              <a:rPr lang="ko-KR" altLang="en-US" dirty="0" smtClean="0">
+                <a:solidFill>
+                  <a:schemeClr val="tx1"/>
+                </a:solidFill>
+              </a:rPr>
+              <a:t> 진행</a:t>
+            </a:r>
+            <a:endParaRPr lang="en-US" altLang="ko-KR" dirty="0" smtClean="0">
+              <a:solidFill>
+                <a:schemeClr val="tx1"/>
+              </a:solidFill>
+            </a:endParaRPr>
+          </a:p>
+          <a:p>
+            <a:pPr marL="742950" lvl="1" indent="-285750">
+              <a:buFontTx/>
+              <a:buChar char="-"/>
+            </a:pPr>
+            <a:endParaRPr lang="en-US" altLang="ko-KR" dirty="0" smtClean="0">
+              <a:solidFill>
+                <a:schemeClr val="tx1"/>
+              </a:solidFill>
+            </a:endParaRPr>
+          </a:p>
+          <a:p>
+            <a:pPr marL="285750" indent="-285750">
+              <a:buFontTx/>
+              <a:buChar char="-"/>
+            </a:pPr>
+            <a:r>
+              <a:rPr lang="ko-KR" altLang="en-US" dirty="0" smtClean="0">
+                <a:solidFill>
+                  <a:schemeClr val="tx1"/>
+                </a:solidFill>
+              </a:rPr>
+              <a:t>만약을 대비해 </a:t>
+            </a:r>
+            <a:r>
+              <a:rPr lang="en-US" altLang="ko-KR" dirty="0" smtClean="0">
+                <a:solidFill>
+                  <a:schemeClr val="tx1"/>
+                </a:solidFill>
+              </a:rPr>
+              <a:t>50</a:t>
+            </a:r>
+            <a:r>
+              <a:rPr lang="ko-KR" altLang="en-US" dirty="0" smtClean="0">
+                <a:solidFill>
+                  <a:schemeClr val="tx1"/>
+                </a:solidFill>
+              </a:rPr>
+              <a:t>페이지 </a:t>
+            </a:r>
+            <a:r>
+              <a:rPr lang="en-US" altLang="ko-KR" dirty="0" smtClean="0">
+                <a:solidFill>
+                  <a:schemeClr val="tx1"/>
+                </a:solidFill>
+              </a:rPr>
+              <a:t>-&gt; 20</a:t>
+            </a:r>
+            <a:r>
+              <a:rPr lang="ko-KR" altLang="en-US" dirty="0" smtClean="0">
+                <a:solidFill>
+                  <a:schemeClr val="tx1"/>
+                </a:solidFill>
+              </a:rPr>
+              <a:t>페이지로 줄인 데이터도 수집</a:t>
+            </a:r>
+            <a:endParaRPr lang="en-US" altLang="ko-KR" dirty="0" smtClean="0">
+              <a:solidFill>
+                <a:schemeClr val="tx1"/>
+              </a:solidFill>
+            </a:endParaRPr>
+          </a:p>
+          <a:p>
+            <a:pPr marL="742950" lvl="1" indent="-285750">
+              <a:buFontTx/>
+              <a:buChar char="-"/>
+            </a:pPr>
+            <a:r>
+              <a:rPr lang="ko-KR" altLang="en-US" dirty="0" smtClean="0">
+                <a:solidFill>
+                  <a:schemeClr val="tx1"/>
+                </a:solidFill>
+              </a:rPr>
+              <a:t>위 방법이 안될 수도 있음</a:t>
+            </a:r>
+            <a:endParaRPr lang="en-US" altLang="ko-KR" dirty="0" smtClean="0">
+              <a:solidFill>
+                <a:schemeClr val="tx1"/>
+              </a:solidFill>
+            </a:endParaRPr>
+          </a:p>
+          <a:p>
+            <a:pPr marL="742950" lvl="1" indent="-285750">
+              <a:buFontTx/>
+              <a:buChar char="-"/>
+            </a:pPr>
+            <a:endParaRPr lang="en-US" altLang="ko-KR" dirty="0" smtClean="0">
+              <a:solidFill>
+                <a:schemeClr val="tx1"/>
+              </a:solidFill>
+            </a:endParaRPr>
+          </a:p>
+          <a:p>
+            <a:pPr marL="285750" indent="-285750">
+              <a:buFontTx/>
+              <a:buChar char="-"/>
+            </a:pPr>
+            <a:r>
+              <a:rPr lang="en-US" altLang="ko-KR" dirty="0" smtClean="0">
+                <a:solidFill>
+                  <a:schemeClr val="tx1"/>
+                </a:solidFill>
+              </a:rPr>
+              <a:t>TF-</a:t>
+            </a:r>
+            <a:r>
+              <a:rPr lang="en-US" altLang="ko-KR" dirty="0" err="1" smtClean="0">
+                <a:solidFill>
+                  <a:schemeClr val="tx1"/>
+                </a:solidFill>
+              </a:rPr>
+              <a:t>idf</a:t>
+            </a:r>
+            <a:r>
+              <a:rPr lang="en-US" altLang="ko-KR" dirty="0" smtClean="0">
+                <a:solidFill>
+                  <a:schemeClr val="tx1"/>
+                </a:solidFill>
+              </a:rPr>
+              <a:t> </a:t>
+            </a:r>
+            <a:r>
+              <a:rPr lang="ko-KR" altLang="en-US" dirty="0" smtClean="0">
+                <a:solidFill>
+                  <a:schemeClr val="tx1"/>
+                </a:solidFill>
+              </a:rPr>
+              <a:t>값을 이용하지 말고 </a:t>
+            </a:r>
+            <a:r>
+              <a:rPr lang="en-US" altLang="ko-KR" dirty="0" err="1" smtClean="0">
+                <a:solidFill>
+                  <a:schemeClr val="tx1"/>
+                </a:solidFill>
+              </a:rPr>
+              <a:t>keras</a:t>
+            </a:r>
+            <a:r>
+              <a:rPr lang="ko-KR" altLang="en-US" dirty="0" smtClean="0">
+                <a:solidFill>
+                  <a:schemeClr val="tx1"/>
+                </a:solidFill>
+              </a:rPr>
+              <a:t>의 </a:t>
+            </a:r>
+            <a:r>
+              <a:rPr lang="en-US" altLang="ko-KR" dirty="0" smtClean="0">
+                <a:solidFill>
+                  <a:schemeClr val="tx1"/>
+                </a:solidFill>
+              </a:rPr>
+              <a:t>tokenizer</a:t>
+            </a:r>
+            <a:r>
+              <a:rPr lang="ko-KR" altLang="en-US" dirty="0" smtClean="0">
+                <a:solidFill>
+                  <a:schemeClr val="tx1"/>
+                </a:solidFill>
+              </a:rPr>
+              <a:t>에서 단어를 가져올 수 있는데 이거를 이용할 예정</a:t>
+            </a:r>
+            <a:endParaRPr lang="en-US" altLang="ko-KR" dirty="0" smtClean="0">
+              <a:solidFill>
+                <a:schemeClr val="tx1"/>
+              </a:solidFill>
+            </a:endParaRPr>
+          </a:p>
+        </p:txBody>
+      </p:sp>
+      <p:sp>
+        <p:nvSpPr>
+          <p:cNvPr id="42" name="직사각형 41"/>
+          <p:cNvSpPr/>
+          <p:nvPr/>
+        </p:nvSpPr>
+        <p:spPr>
+          <a:xfrm>
+            <a:off x="-18033" y="6794"/>
+            <a:ext cx="2610921" cy="518740"/>
+          </a:xfrm>
+          <a:prstGeom prst="rect">
+            <a:avLst/>
+          </a:prstGeom>
+          <a:noFill/>
+          <a:ln w="25400">
+            <a:solidFill>
+              <a:schemeClr val="accent1">
+                <a:lumMod val="40000"/>
+                <a:lumOff val="60000"/>
+              </a:schemeClr>
+            </a:solidFill>
+          </a:ln>
+        </p:spPr>
+        <p:style>
+          <a:lnRef idx="2">
+            <a:schemeClr val="accent1">
+              <a:shade val="50000"/>
+            </a:schemeClr>
+          </a:lnRef>
+          <a:fillRef idx="1">
+            <a:schemeClr val="accent1"/>
+          </a:fillRef>
+          <a:effectRef idx="0">
+            <a:schemeClr val="accent1"/>
+          </a:effectRef>
+          <a:fontRef idx="minor">
+            <a:schemeClr val="lt1"/>
+          </a:fontRef>
+        </p:style>
+        <p:txBody>
+          <a:bodyPr rtlCol="0" anchor="ctr"/>
+          <a:lstStyle/>
+          <a:p>
+            <a:pPr algn="ctr"/>
+            <a:r>
+              <a:rPr lang="ko-KR" altLang="en-US" dirty="0" smtClean="0">
+                <a:solidFill>
+                  <a:schemeClr val="tx1"/>
+                </a:solidFill>
+              </a:rPr>
+              <a:t>방법론</a:t>
+            </a:r>
+            <a:endParaRPr lang="ko-KR" altLang="en-US" dirty="0">
+              <a:solidFill>
+                <a:schemeClr val="tx1"/>
+              </a:solidFill>
+            </a:endParaRPr>
+          </a:p>
+        </p:txBody>
+      </p:sp>
+    </p:spTree>
+    <p:extLst>
+      <p:ext uri="{BB962C8B-B14F-4D97-AF65-F5344CB8AC3E}">
+        <p14:creationId xmlns:p14="http://schemas.microsoft.com/office/powerpoint/2010/main" val="3182146303"/>
       </p:ext>
     </p:extLst>
   </p:cSld>

--- a/project model.pptx
+++ b/project model.pptx
@@ -7467,7 +7467,77 @@
                   <a:schemeClr val="tx1"/>
                 </a:solidFill>
               </a:rPr>
-              <a:t>에서 단어를 가져올 수 있는데 이거를 이용할 예정</a:t>
+              <a:t>에서 단어를 가져올 수 있는데 이거를 이용할 </a:t>
+            </a:r>
+            <a:r>
+              <a:rPr lang="ko-KR" altLang="en-US" dirty="0" smtClean="0">
+                <a:solidFill>
+                  <a:schemeClr val="tx1"/>
+                </a:solidFill>
+              </a:rPr>
+              <a:t>예정</a:t>
+            </a:r>
+            <a:endParaRPr lang="en-US" altLang="ko-KR" dirty="0" smtClean="0">
+              <a:solidFill>
+                <a:schemeClr val="tx1"/>
+              </a:solidFill>
+            </a:endParaRPr>
+          </a:p>
+          <a:p>
+            <a:pPr marL="285750" indent="-285750">
+              <a:buFontTx/>
+              <a:buChar char="-"/>
+            </a:pPr>
+            <a:endParaRPr lang="en-US" altLang="ko-KR" dirty="0">
+              <a:solidFill>
+                <a:schemeClr val="tx1"/>
+              </a:solidFill>
+            </a:endParaRPr>
+          </a:p>
+          <a:p>
+            <a:pPr marL="285750" indent="-285750">
+              <a:buFontTx/>
+              <a:buChar char="-"/>
+            </a:pPr>
+            <a:r>
+              <a:rPr lang="ko-KR" altLang="en-US" dirty="0" smtClean="0">
+                <a:solidFill>
+                  <a:schemeClr val="tx1"/>
+                </a:solidFill>
+              </a:rPr>
+              <a:t>단어장 만드는 </a:t>
+            </a:r>
+            <a:r>
+              <a:rPr lang="ko-KR" altLang="en-US" dirty="0" err="1" smtClean="0">
+                <a:solidFill>
+                  <a:schemeClr val="tx1"/>
+                </a:solidFill>
+              </a:rPr>
+              <a:t>로직</a:t>
+            </a:r>
+            <a:r>
+              <a:rPr lang="ko-KR" altLang="en-US" dirty="0" smtClean="0">
+                <a:solidFill>
+                  <a:schemeClr val="tx1"/>
+                </a:solidFill>
+              </a:rPr>
+              <a:t> 및 기사 </a:t>
+            </a:r>
+            <a:r>
+              <a:rPr lang="ko-KR" altLang="en-US" dirty="0" err="1" smtClean="0">
+                <a:solidFill>
+                  <a:schemeClr val="tx1"/>
+                </a:solidFill>
+              </a:rPr>
+              <a:t>합치는거</a:t>
+            </a:r>
+            <a:r>
+              <a:rPr lang="ko-KR" altLang="en-US" dirty="0" smtClean="0">
+                <a:solidFill>
+                  <a:schemeClr val="tx1"/>
+                </a:solidFill>
+              </a:rPr>
+              <a:t> 수정</a:t>
             </a:r>
             <a:endParaRPr lang="en-US" altLang="ko-KR" dirty="0" smtClean="0">
               <a:solidFill>
